--- a/Assembly/presentations/01_intro_to_assembly_module.pptx
+++ b/Assembly/presentations/01_intro_to_assembly_module.pptx
@@ -7,7 +7,9 @@
   <p:sldIdLst>
     <p:sldId id="256" r:id="rId2"/>
     <p:sldId id="257" r:id="rId3"/>
-    <p:sldId id="258" r:id="rId4"/>
+    <p:sldId id="259" r:id="rId4"/>
+    <p:sldId id="261" r:id="rId5"/>
+    <p:sldId id="258" r:id="rId6"/>
   </p:sldIdLst>
   <p:sldSz cx="9144000" cy="6858000" type="screen4x3"/>
   <p:notesSz cx="6858000" cy="9144000"/>
@@ -107,6 +109,2965 @@
     </a:lvl9pPr>
   </p:defaultTextStyle>
 </p:presentation>
+</file>
+
+<file path=ppt/diagrams/colors1.xml><?xml version="1.0" encoding="utf-8"?>
+<dgm:colorsDef xmlns:dgm="http://schemas.openxmlformats.org/drawingml/2006/diagram" xmlns:a="http://schemas.openxmlformats.org/drawingml/2006/main" uniqueId="urn:microsoft.com/office/officeart/2005/8/colors/colorful1">
+  <dgm:title val=""/>
+  <dgm:desc val=""/>
+  <dgm:catLst>
+    <dgm:cat type="colorful" pri="10100"/>
+  </dgm:catLst>
+  <dgm:styleLbl name="node0">
+    <dgm:fillClrLst meth="repeat">
+      <a:schemeClr val="accent1"/>
+    </dgm:fillClrLst>
+    <dgm:linClrLst meth="repeat">
+      <a:schemeClr val="lt1"/>
+    </dgm:linClrLst>
+    <dgm:effectClrLst/>
+    <dgm:txLinClrLst/>
+    <dgm:txFillClrLst/>
+    <dgm:txEffectClrLst/>
+  </dgm:styleLbl>
+  <dgm:styleLbl name="node1">
+    <dgm:fillClrLst meth="repeat">
+      <a:schemeClr val="accent2"/>
+      <a:schemeClr val="accent3"/>
+      <a:schemeClr val="accent4"/>
+      <a:schemeClr val="accent5"/>
+      <a:schemeClr val="accent6"/>
+    </dgm:fillClrLst>
+    <dgm:linClrLst meth="repeat">
+      <a:schemeClr val="lt1"/>
+    </dgm:linClrLst>
+    <dgm:effectClrLst/>
+    <dgm:txLinClrLst/>
+    <dgm:txFillClrLst/>
+    <dgm:txEffectClrLst/>
+  </dgm:styleLbl>
+  <dgm:styleLbl name="alignNode1">
+    <dgm:fillClrLst meth="repeat">
+      <a:schemeClr val="accent2"/>
+      <a:schemeClr val="accent3"/>
+      <a:schemeClr val="accent4"/>
+      <a:schemeClr val="accent5"/>
+      <a:schemeClr val="accent6"/>
+    </dgm:fillClrLst>
+    <dgm:linClrLst meth="repeat">
+      <a:schemeClr val="accent2"/>
+      <a:schemeClr val="accent3"/>
+      <a:schemeClr val="accent4"/>
+      <a:schemeClr val="accent5"/>
+      <a:schemeClr val="accent6"/>
+    </dgm:linClrLst>
+    <dgm:effectClrLst/>
+    <dgm:txLinClrLst/>
+    <dgm:txFillClrLst/>
+    <dgm:txEffectClrLst/>
+  </dgm:styleLbl>
+  <dgm:styleLbl name="lnNode1">
+    <dgm:fillClrLst meth="repeat">
+      <a:schemeClr val="accent2"/>
+      <a:schemeClr val="accent3"/>
+      <a:schemeClr val="accent4"/>
+      <a:schemeClr val="accent5"/>
+      <a:schemeClr val="accent6"/>
+    </dgm:fillClrLst>
+    <dgm:linClrLst meth="repeat">
+      <a:schemeClr val="lt1"/>
+    </dgm:linClrLst>
+    <dgm:effectClrLst/>
+    <dgm:txLinClrLst/>
+    <dgm:txFillClrLst/>
+    <dgm:txEffectClrLst/>
+  </dgm:styleLbl>
+  <dgm:styleLbl name="vennNode1">
+    <dgm:fillClrLst meth="repeat">
+      <a:schemeClr val="accent2">
+        <a:alpha val="50000"/>
+      </a:schemeClr>
+      <a:schemeClr val="accent3">
+        <a:alpha val="50000"/>
+      </a:schemeClr>
+      <a:schemeClr val="accent4">
+        <a:alpha val="50000"/>
+      </a:schemeClr>
+      <a:schemeClr val="accent5">
+        <a:alpha val="50000"/>
+      </a:schemeClr>
+      <a:schemeClr val="accent6">
+        <a:alpha val="50000"/>
+      </a:schemeClr>
+    </dgm:fillClrLst>
+    <dgm:linClrLst meth="repeat">
+      <a:schemeClr val="lt1"/>
+    </dgm:linClrLst>
+    <dgm:effectClrLst/>
+    <dgm:txLinClrLst/>
+    <dgm:txFillClrLst/>
+    <dgm:txEffectClrLst/>
+  </dgm:styleLbl>
+  <dgm:styleLbl name="node2">
+    <dgm:fillClrLst>
+      <a:schemeClr val="accent2"/>
+    </dgm:fillClrLst>
+    <dgm:linClrLst meth="repeat">
+      <a:schemeClr val="lt1"/>
+    </dgm:linClrLst>
+    <dgm:effectClrLst/>
+    <dgm:txLinClrLst/>
+    <dgm:txFillClrLst/>
+    <dgm:txEffectClrLst/>
+  </dgm:styleLbl>
+  <dgm:styleLbl name="node3">
+    <dgm:fillClrLst>
+      <a:schemeClr val="accent3"/>
+    </dgm:fillClrLst>
+    <dgm:linClrLst meth="repeat">
+      <a:schemeClr val="lt1"/>
+    </dgm:linClrLst>
+    <dgm:effectClrLst/>
+    <dgm:txLinClrLst/>
+    <dgm:txFillClrLst/>
+    <dgm:txEffectClrLst/>
+  </dgm:styleLbl>
+  <dgm:styleLbl name="node4">
+    <dgm:fillClrLst>
+      <a:schemeClr val="accent4"/>
+    </dgm:fillClrLst>
+    <dgm:linClrLst meth="repeat">
+      <a:schemeClr val="lt1"/>
+    </dgm:linClrLst>
+    <dgm:effectClrLst/>
+    <dgm:txLinClrLst/>
+    <dgm:txFillClrLst/>
+    <dgm:txEffectClrLst/>
+  </dgm:styleLbl>
+  <dgm:styleLbl name="fgImgPlace1">
+    <dgm:fillClrLst meth="repeat">
+      <a:schemeClr val="accent2">
+        <a:tint val="50000"/>
+      </a:schemeClr>
+      <a:schemeClr val="accent3">
+        <a:tint val="50000"/>
+      </a:schemeClr>
+      <a:schemeClr val="accent4">
+        <a:tint val="50000"/>
+      </a:schemeClr>
+      <a:schemeClr val="accent5">
+        <a:tint val="50000"/>
+      </a:schemeClr>
+      <a:schemeClr val="accent6">
+        <a:tint val="50000"/>
+      </a:schemeClr>
+    </dgm:fillClrLst>
+    <dgm:linClrLst meth="repeat">
+      <a:schemeClr val="lt1"/>
+    </dgm:linClrLst>
+    <dgm:effectClrLst/>
+    <dgm:txLinClrLst/>
+    <dgm:txFillClrLst meth="repeat">
+      <a:schemeClr val="lt1"/>
+    </dgm:txFillClrLst>
+    <dgm:txEffectClrLst/>
+  </dgm:styleLbl>
+  <dgm:styleLbl name="alignImgPlace1">
+    <dgm:fillClrLst>
+      <a:schemeClr val="accent1">
+        <a:tint val="50000"/>
+      </a:schemeClr>
+      <a:schemeClr val="accent2">
+        <a:tint val="20000"/>
+      </a:schemeClr>
+    </dgm:fillClrLst>
+    <dgm:linClrLst meth="repeat">
+      <a:schemeClr val="lt1"/>
+    </dgm:linClrLst>
+    <dgm:effectClrLst/>
+    <dgm:txLinClrLst/>
+    <dgm:txFillClrLst meth="repeat">
+      <a:schemeClr val="lt1"/>
+    </dgm:txFillClrLst>
+    <dgm:txEffectClrLst/>
+  </dgm:styleLbl>
+  <dgm:styleLbl name="bgImgPlace1">
+    <dgm:fillClrLst>
+      <a:schemeClr val="accent1">
+        <a:tint val="50000"/>
+      </a:schemeClr>
+      <a:schemeClr val="accent2">
+        <a:tint val="20000"/>
+      </a:schemeClr>
+    </dgm:fillClrLst>
+    <dgm:linClrLst meth="repeat">
+      <a:schemeClr val="lt1"/>
+    </dgm:linClrLst>
+    <dgm:effectClrLst/>
+    <dgm:txLinClrLst/>
+    <dgm:txFillClrLst meth="repeat">
+      <a:schemeClr val="lt1"/>
+    </dgm:txFillClrLst>
+    <dgm:txEffectClrLst/>
+  </dgm:styleLbl>
+  <dgm:styleLbl name="sibTrans2D1">
+    <dgm:fillClrLst meth="repeat">
+      <a:schemeClr val="accent2"/>
+      <a:schemeClr val="accent3"/>
+      <a:schemeClr val="accent4"/>
+      <a:schemeClr val="accent5"/>
+      <a:schemeClr val="accent6"/>
+    </dgm:fillClrLst>
+    <dgm:linClrLst meth="cycle">
+      <a:schemeClr val="lt1"/>
+    </dgm:linClrLst>
+    <dgm:effectClrLst/>
+    <dgm:txLinClrLst/>
+    <dgm:txFillClrLst/>
+    <dgm:txEffectClrLst/>
+  </dgm:styleLbl>
+  <dgm:styleLbl name="fgSibTrans2D1">
+    <dgm:fillClrLst meth="repeat">
+      <a:schemeClr val="accent2"/>
+      <a:schemeClr val="accent3"/>
+      <a:schemeClr val="accent4"/>
+      <a:schemeClr val="accent5"/>
+      <a:schemeClr val="accent6"/>
+    </dgm:fillClrLst>
+    <dgm:linClrLst meth="cycle">
+      <a:schemeClr val="lt1"/>
+    </dgm:linClrLst>
+    <dgm:effectClrLst/>
+    <dgm:txLinClrLst/>
+    <dgm:txFillClrLst meth="repeat">
+      <a:schemeClr val="lt1"/>
+    </dgm:txFillClrLst>
+    <dgm:txEffectClrLst/>
+  </dgm:styleLbl>
+  <dgm:styleLbl name="bgSibTrans2D1">
+    <dgm:fillClrLst meth="repeat">
+      <a:schemeClr val="accent2"/>
+      <a:schemeClr val="accent3"/>
+      <a:schemeClr val="accent4"/>
+      <a:schemeClr val="accent5"/>
+      <a:schemeClr val="accent6"/>
+    </dgm:fillClrLst>
+    <dgm:linClrLst meth="cycle">
+      <a:schemeClr val="lt1"/>
+    </dgm:linClrLst>
+    <dgm:effectClrLst/>
+    <dgm:txLinClrLst/>
+    <dgm:txFillClrLst meth="repeat">
+      <a:schemeClr val="lt1"/>
+    </dgm:txFillClrLst>
+    <dgm:txEffectClrLst/>
+  </dgm:styleLbl>
+  <dgm:styleLbl name="sibTrans1D1">
+    <dgm:fillClrLst meth="repeat">
+      <a:schemeClr val="accent2"/>
+      <a:schemeClr val="accent3"/>
+      <a:schemeClr val="accent4"/>
+      <a:schemeClr val="accent5"/>
+      <a:schemeClr val="accent6"/>
+    </dgm:fillClrLst>
+    <dgm:linClrLst meth="repeat">
+      <a:schemeClr val="accent2"/>
+      <a:schemeClr val="accent3"/>
+      <a:schemeClr val="accent4"/>
+      <a:schemeClr val="accent5"/>
+      <a:schemeClr val="accent6"/>
+    </dgm:linClrLst>
+    <dgm:effectClrLst/>
+    <dgm:txLinClrLst/>
+    <dgm:txFillClrLst meth="repeat">
+      <a:schemeClr val="tx1"/>
+    </dgm:txFillClrLst>
+    <dgm:txEffectClrLst/>
+  </dgm:styleLbl>
+  <dgm:styleLbl name="callout">
+    <dgm:fillClrLst meth="repeat">
+      <a:schemeClr val="accent2"/>
+    </dgm:fillClrLst>
+    <dgm:linClrLst meth="repeat">
+      <a:schemeClr val="accent2">
+        <a:tint val="50000"/>
+      </a:schemeClr>
+    </dgm:linClrLst>
+    <dgm:effectClrLst/>
+    <dgm:txLinClrLst/>
+    <dgm:txFillClrLst meth="repeat">
+      <a:schemeClr val="tx1"/>
+    </dgm:txFillClrLst>
+    <dgm:txEffectClrLst/>
+  </dgm:styleLbl>
+  <dgm:styleLbl name="asst0">
+    <dgm:fillClrLst meth="repeat">
+      <a:schemeClr val="accent1"/>
+    </dgm:fillClrLst>
+    <dgm:linClrLst meth="repeat">
+      <a:schemeClr val="lt1"/>
+    </dgm:linClrLst>
+    <dgm:effectClrLst/>
+    <dgm:txLinClrLst/>
+    <dgm:txFillClrLst/>
+    <dgm:txEffectClrLst/>
+  </dgm:styleLbl>
+  <dgm:styleLbl name="asst1">
+    <dgm:fillClrLst meth="repeat">
+      <a:schemeClr val="accent2"/>
+    </dgm:fillClrLst>
+    <dgm:linClrLst meth="repeat">
+      <a:schemeClr val="lt1"/>
+    </dgm:linClrLst>
+    <dgm:effectClrLst/>
+    <dgm:txLinClrLst/>
+    <dgm:txFillClrLst/>
+    <dgm:txEffectClrLst/>
+  </dgm:styleLbl>
+  <dgm:styleLbl name="asst2">
+    <dgm:fillClrLst>
+      <a:schemeClr val="accent3"/>
+    </dgm:fillClrLst>
+    <dgm:linClrLst meth="repeat">
+      <a:schemeClr val="lt1"/>
+    </dgm:linClrLst>
+    <dgm:effectClrLst/>
+    <dgm:txLinClrLst/>
+    <dgm:txFillClrLst/>
+    <dgm:txEffectClrLst/>
+  </dgm:styleLbl>
+  <dgm:styleLbl name="asst3">
+    <dgm:fillClrLst>
+      <a:schemeClr val="accent4"/>
+    </dgm:fillClrLst>
+    <dgm:linClrLst meth="repeat">
+      <a:schemeClr val="lt1"/>
+    </dgm:linClrLst>
+    <dgm:effectClrLst/>
+    <dgm:txLinClrLst/>
+    <dgm:txFillClrLst/>
+    <dgm:txEffectClrLst/>
+  </dgm:styleLbl>
+  <dgm:styleLbl name="asst4">
+    <dgm:fillClrLst>
+      <a:schemeClr val="accent5"/>
+    </dgm:fillClrLst>
+    <dgm:linClrLst meth="repeat">
+      <a:schemeClr val="lt1"/>
+    </dgm:linClrLst>
+    <dgm:effectClrLst/>
+    <dgm:txLinClrLst/>
+    <dgm:txFillClrLst/>
+    <dgm:txEffectClrLst/>
+  </dgm:styleLbl>
+  <dgm:styleLbl name="parChTrans2D1">
+    <dgm:fillClrLst meth="repeat">
+      <a:schemeClr val="accent2"/>
+    </dgm:fillClrLst>
+    <dgm:linClrLst meth="repeat">
+      <a:schemeClr val="lt1"/>
+    </dgm:linClrLst>
+    <dgm:effectClrLst/>
+    <dgm:txLinClrLst/>
+    <dgm:txFillClrLst meth="repeat">
+      <a:schemeClr val="lt1"/>
+    </dgm:txFillClrLst>
+    <dgm:txEffectClrLst/>
+  </dgm:styleLbl>
+  <dgm:styleLbl name="parChTrans2D2">
+    <dgm:fillClrLst meth="repeat">
+      <a:schemeClr val="accent3"/>
+    </dgm:fillClrLst>
+    <dgm:linClrLst meth="repeat">
+      <a:schemeClr val="lt1"/>
+    </dgm:linClrLst>
+    <dgm:effectClrLst/>
+    <dgm:txLinClrLst/>
+    <dgm:txFillClrLst/>
+    <dgm:txEffectClrLst/>
+  </dgm:styleLbl>
+  <dgm:styleLbl name="parChTrans2D3">
+    <dgm:fillClrLst meth="repeat">
+      <a:schemeClr val="accent4"/>
+    </dgm:fillClrLst>
+    <dgm:linClrLst meth="repeat">
+      <a:schemeClr val="lt1"/>
+    </dgm:linClrLst>
+    <dgm:effectClrLst/>
+    <dgm:txLinClrLst/>
+    <dgm:txFillClrLst/>
+    <dgm:txEffectClrLst/>
+  </dgm:styleLbl>
+  <dgm:styleLbl name="parChTrans2D4">
+    <dgm:fillClrLst meth="repeat">
+      <a:schemeClr val="accent5"/>
+    </dgm:fillClrLst>
+    <dgm:linClrLst meth="repeat">
+      <a:schemeClr val="lt1"/>
+    </dgm:linClrLst>
+    <dgm:effectClrLst/>
+    <dgm:txLinClrLst/>
+    <dgm:txFillClrLst meth="repeat">
+      <a:schemeClr val="lt1"/>
+    </dgm:txFillClrLst>
+    <dgm:txEffectClrLst/>
+  </dgm:styleLbl>
+  <dgm:styleLbl name="parChTrans1D1">
+    <dgm:fillClrLst meth="repeat">
+      <a:schemeClr val="accent2"/>
+    </dgm:fillClrLst>
+    <dgm:linClrLst meth="repeat">
+      <a:schemeClr val="accent1"/>
+    </dgm:linClrLst>
+    <dgm:effectClrLst/>
+    <dgm:txLinClrLst/>
+    <dgm:txFillClrLst meth="repeat">
+      <a:schemeClr val="tx1"/>
+    </dgm:txFillClrLst>
+    <dgm:txEffectClrLst/>
+  </dgm:styleLbl>
+  <dgm:styleLbl name="parChTrans1D2">
+    <dgm:fillClrLst meth="repeat">
+      <a:schemeClr val="accent3">
+        <a:tint val="90000"/>
+      </a:schemeClr>
+    </dgm:fillClrLst>
+    <dgm:linClrLst meth="repeat">
+      <a:schemeClr val="accent2"/>
+    </dgm:linClrLst>
+    <dgm:effectClrLst/>
+    <dgm:txLinClrLst/>
+    <dgm:txFillClrLst meth="repeat">
+      <a:schemeClr val="tx1"/>
+    </dgm:txFillClrLst>
+    <dgm:txEffectClrLst/>
+  </dgm:styleLbl>
+  <dgm:styleLbl name="parChTrans1D3">
+    <dgm:fillClrLst meth="repeat">
+      <a:schemeClr val="accent4">
+        <a:tint val="70000"/>
+      </a:schemeClr>
+    </dgm:fillClrLst>
+    <dgm:linClrLst meth="repeat">
+      <a:schemeClr val="accent3"/>
+    </dgm:linClrLst>
+    <dgm:effectClrLst/>
+    <dgm:txLinClrLst/>
+    <dgm:txFillClrLst meth="repeat">
+      <a:schemeClr val="tx1"/>
+    </dgm:txFillClrLst>
+    <dgm:txEffectClrLst/>
+  </dgm:styleLbl>
+  <dgm:styleLbl name="parChTrans1D4">
+    <dgm:fillClrLst meth="repeat">
+      <a:schemeClr val="accent5">
+        <a:tint val="50000"/>
+      </a:schemeClr>
+    </dgm:fillClrLst>
+    <dgm:linClrLst meth="repeat">
+      <a:schemeClr val="accent4"/>
+    </dgm:linClrLst>
+    <dgm:effectClrLst/>
+    <dgm:txLinClrLst/>
+    <dgm:txFillClrLst meth="repeat">
+      <a:schemeClr val="tx1"/>
+    </dgm:txFillClrLst>
+    <dgm:txEffectClrLst/>
+  </dgm:styleLbl>
+  <dgm:styleLbl name="fgAcc1">
+    <dgm:fillClrLst meth="repeat">
+      <a:schemeClr val="lt1">
+        <a:alpha val="90000"/>
+      </a:schemeClr>
+    </dgm:fillClrLst>
+    <dgm:linClrLst meth="repeat">
+      <a:schemeClr val="accent2"/>
+      <a:schemeClr val="accent3"/>
+      <a:schemeClr val="accent4"/>
+      <a:schemeClr val="accent5"/>
+      <a:schemeClr val="accent6"/>
+    </dgm:linClrLst>
+    <dgm:effectClrLst/>
+    <dgm:txLinClrLst/>
+    <dgm:txFillClrLst meth="repeat">
+      <a:schemeClr val="dk1"/>
+    </dgm:txFillClrLst>
+    <dgm:txEffectClrLst/>
+  </dgm:styleLbl>
+  <dgm:styleLbl name="conFgAcc1">
+    <dgm:fillClrLst meth="repeat">
+      <a:schemeClr val="lt1">
+        <a:alpha val="90000"/>
+      </a:schemeClr>
+    </dgm:fillClrLst>
+    <dgm:linClrLst meth="repeat">
+      <a:schemeClr val="accent2"/>
+      <a:schemeClr val="accent3"/>
+      <a:schemeClr val="accent4"/>
+      <a:schemeClr val="accent5"/>
+      <a:schemeClr val="accent6"/>
+    </dgm:linClrLst>
+    <dgm:effectClrLst/>
+    <dgm:txLinClrLst/>
+    <dgm:txFillClrLst meth="repeat">
+      <a:schemeClr val="dk1"/>
+    </dgm:txFillClrLst>
+    <dgm:txEffectClrLst/>
+  </dgm:styleLbl>
+  <dgm:styleLbl name="alignAcc1">
+    <dgm:fillClrLst meth="repeat">
+      <a:schemeClr val="lt1">
+        <a:alpha val="90000"/>
+      </a:schemeClr>
+    </dgm:fillClrLst>
+    <dgm:linClrLst meth="repeat">
+      <a:schemeClr val="accent2"/>
+      <a:schemeClr val="accent3"/>
+      <a:schemeClr val="accent4"/>
+      <a:schemeClr val="accent5"/>
+      <a:schemeClr val="accent6"/>
+    </dgm:linClrLst>
+    <dgm:effectClrLst/>
+    <dgm:txLinClrLst/>
+    <dgm:txFillClrLst meth="repeat">
+      <a:schemeClr val="dk1"/>
+    </dgm:txFillClrLst>
+    <dgm:txEffectClrLst/>
+  </dgm:styleLbl>
+  <dgm:styleLbl name="trAlignAcc1">
+    <dgm:fillClrLst meth="repeat">
+      <a:schemeClr val="lt1">
+        <a:alpha val="40000"/>
+      </a:schemeClr>
+    </dgm:fillClrLst>
+    <dgm:linClrLst meth="repeat">
+      <a:schemeClr val="accent1"/>
+    </dgm:linClrLst>
+    <dgm:effectClrLst/>
+    <dgm:txLinClrLst/>
+    <dgm:txFillClrLst meth="repeat">
+      <a:schemeClr val="dk1"/>
+    </dgm:txFillClrLst>
+    <dgm:txEffectClrLst/>
+  </dgm:styleLbl>
+  <dgm:styleLbl name="bgAcc1">
+    <dgm:fillClrLst meth="repeat">
+      <a:schemeClr val="lt1">
+        <a:alpha val="90000"/>
+      </a:schemeClr>
+    </dgm:fillClrLst>
+    <dgm:linClrLst meth="repeat">
+      <a:schemeClr val="accent2"/>
+      <a:schemeClr val="accent3"/>
+      <a:schemeClr val="accent4"/>
+      <a:schemeClr val="accent5"/>
+      <a:schemeClr val="accent6"/>
+    </dgm:linClrLst>
+    <dgm:effectClrLst/>
+    <dgm:txLinClrLst/>
+    <dgm:txFillClrLst meth="repeat">
+      <a:schemeClr val="dk1"/>
+    </dgm:txFillClrLst>
+    <dgm:txEffectClrLst/>
+  </dgm:styleLbl>
+  <dgm:styleLbl name="solidFgAcc1">
+    <dgm:fillClrLst meth="repeat">
+      <a:schemeClr val="lt1"/>
+    </dgm:fillClrLst>
+    <dgm:linClrLst meth="repeat">
+      <a:schemeClr val="accent2"/>
+      <a:schemeClr val="accent3"/>
+      <a:schemeClr val="accent4"/>
+      <a:schemeClr val="accent5"/>
+      <a:schemeClr val="accent6"/>
+    </dgm:linClrLst>
+    <dgm:effectClrLst/>
+    <dgm:txLinClrLst/>
+    <dgm:txFillClrLst meth="repeat">
+      <a:schemeClr val="dk1"/>
+    </dgm:txFillClrLst>
+    <dgm:txEffectClrLst/>
+  </dgm:styleLbl>
+  <dgm:styleLbl name="solidAlignAcc1">
+    <dgm:fillClrLst meth="repeat">
+      <a:schemeClr val="lt1"/>
+    </dgm:fillClrLst>
+    <dgm:linClrLst meth="repeat">
+      <a:schemeClr val="accent2"/>
+      <a:schemeClr val="accent3"/>
+      <a:schemeClr val="accent4"/>
+      <a:schemeClr val="accent5"/>
+      <a:schemeClr val="accent6"/>
+    </dgm:linClrLst>
+    <dgm:effectClrLst/>
+    <dgm:txLinClrLst/>
+    <dgm:txFillClrLst meth="repeat">
+      <a:schemeClr val="dk1"/>
+    </dgm:txFillClrLst>
+    <dgm:txEffectClrLst/>
+  </dgm:styleLbl>
+  <dgm:styleLbl name="solidBgAcc1">
+    <dgm:fillClrLst meth="repeat">
+      <a:schemeClr val="lt1"/>
+    </dgm:fillClrLst>
+    <dgm:linClrLst meth="repeat">
+      <a:schemeClr val="accent2"/>
+      <a:schemeClr val="accent3"/>
+      <a:schemeClr val="accent4"/>
+      <a:schemeClr val="accent5"/>
+      <a:schemeClr val="accent6"/>
+    </dgm:linClrLst>
+    <dgm:effectClrLst/>
+    <dgm:txLinClrLst/>
+    <dgm:txFillClrLst meth="repeat">
+      <a:schemeClr val="dk1"/>
+    </dgm:txFillClrLst>
+    <dgm:txEffectClrLst/>
+  </dgm:styleLbl>
+  <dgm:styleLbl name="fgAccFollowNode1">
+    <dgm:fillClrLst meth="repeat">
+      <a:schemeClr val="accent2">
+        <a:tint val="40000"/>
+        <a:alpha val="90000"/>
+      </a:schemeClr>
+      <a:schemeClr val="accent3">
+        <a:tint val="40000"/>
+        <a:alpha val="90000"/>
+      </a:schemeClr>
+      <a:schemeClr val="accent4">
+        <a:tint val="40000"/>
+        <a:alpha val="90000"/>
+      </a:schemeClr>
+      <a:schemeClr val="accent5">
+        <a:tint val="40000"/>
+        <a:alpha val="90000"/>
+      </a:schemeClr>
+      <a:schemeClr val="accent6">
+        <a:tint val="40000"/>
+        <a:alpha val="90000"/>
+      </a:schemeClr>
+    </dgm:fillClrLst>
+    <dgm:linClrLst meth="repeat">
+      <a:schemeClr val="accent2">
+        <a:tint val="40000"/>
+        <a:alpha val="90000"/>
+      </a:schemeClr>
+      <a:schemeClr val="accent3">
+        <a:tint val="40000"/>
+        <a:alpha val="90000"/>
+      </a:schemeClr>
+      <a:schemeClr val="accent4">
+        <a:tint val="40000"/>
+        <a:alpha val="90000"/>
+      </a:schemeClr>
+      <a:schemeClr val="accent5">
+        <a:tint val="40000"/>
+        <a:alpha val="90000"/>
+      </a:schemeClr>
+      <a:schemeClr val="accent6">
+        <a:tint val="40000"/>
+        <a:alpha val="90000"/>
+      </a:schemeClr>
+    </dgm:linClrLst>
+    <dgm:effectClrLst/>
+    <dgm:txLinClrLst/>
+    <dgm:txFillClrLst meth="repeat">
+      <a:schemeClr val="dk1"/>
+    </dgm:txFillClrLst>
+    <dgm:txEffectClrLst/>
+  </dgm:styleLbl>
+  <dgm:styleLbl name="alignAccFollowNode1">
+    <dgm:fillClrLst meth="repeat">
+      <a:schemeClr val="accent2">
+        <a:tint val="40000"/>
+        <a:alpha val="90000"/>
+      </a:schemeClr>
+      <a:schemeClr val="accent3">
+        <a:tint val="40000"/>
+        <a:alpha val="90000"/>
+      </a:schemeClr>
+      <a:schemeClr val="accent4">
+        <a:tint val="40000"/>
+        <a:alpha val="90000"/>
+      </a:schemeClr>
+      <a:schemeClr val="accent5">
+        <a:tint val="40000"/>
+        <a:alpha val="90000"/>
+      </a:schemeClr>
+      <a:schemeClr val="accent6">
+        <a:tint val="40000"/>
+        <a:alpha val="90000"/>
+      </a:schemeClr>
+    </dgm:fillClrLst>
+    <dgm:linClrLst meth="repeat">
+      <a:schemeClr val="accent2">
+        <a:tint val="40000"/>
+        <a:alpha val="90000"/>
+      </a:schemeClr>
+      <a:schemeClr val="accent3">
+        <a:tint val="40000"/>
+        <a:alpha val="90000"/>
+      </a:schemeClr>
+      <a:schemeClr val="accent4">
+        <a:tint val="40000"/>
+        <a:alpha val="90000"/>
+      </a:schemeClr>
+      <a:schemeClr val="accent5">
+        <a:tint val="40000"/>
+        <a:alpha val="90000"/>
+      </a:schemeClr>
+      <a:schemeClr val="accent6">
+        <a:tint val="40000"/>
+        <a:alpha val="90000"/>
+      </a:schemeClr>
+    </dgm:linClrLst>
+    <dgm:effectClrLst/>
+    <dgm:txLinClrLst/>
+    <dgm:txFillClrLst meth="repeat">
+      <a:schemeClr val="dk1"/>
+    </dgm:txFillClrLst>
+    <dgm:txEffectClrLst/>
+  </dgm:styleLbl>
+  <dgm:styleLbl name="bgAccFollowNode1">
+    <dgm:fillClrLst meth="repeat">
+      <a:schemeClr val="accent2">
+        <a:tint val="40000"/>
+        <a:alpha val="90000"/>
+      </a:schemeClr>
+      <a:schemeClr val="accent3">
+        <a:tint val="40000"/>
+        <a:alpha val="90000"/>
+      </a:schemeClr>
+      <a:schemeClr val="accent4">
+        <a:tint val="40000"/>
+        <a:alpha val="90000"/>
+      </a:schemeClr>
+      <a:schemeClr val="accent5">
+        <a:tint val="40000"/>
+        <a:alpha val="90000"/>
+      </a:schemeClr>
+      <a:schemeClr val="accent6">
+        <a:tint val="40000"/>
+        <a:alpha val="90000"/>
+      </a:schemeClr>
+    </dgm:fillClrLst>
+    <dgm:linClrLst meth="repeat">
+      <a:schemeClr val="accent2">
+        <a:tint val="40000"/>
+        <a:alpha val="90000"/>
+      </a:schemeClr>
+      <a:schemeClr val="accent3">
+        <a:tint val="40000"/>
+        <a:alpha val="90000"/>
+      </a:schemeClr>
+      <a:schemeClr val="accent4">
+        <a:tint val="40000"/>
+        <a:alpha val="90000"/>
+      </a:schemeClr>
+      <a:schemeClr val="accent5">
+        <a:tint val="40000"/>
+        <a:alpha val="90000"/>
+      </a:schemeClr>
+      <a:schemeClr val="accent6">
+        <a:tint val="40000"/>
+        <a:alpha val="90000"/>
+      </a:schemeClr>
+    </dgm:linClrLst>
+    <dgm:effectClrLst/>
+    <dgm:txLinClrLst/>
+    <dgm:txFillClrLst meth="repeat">
+      <a:schemeClr val="dk1"/>
+    </dgm:txFillClrLst>
+    <dgm:txEffectClrLst/>
+  </dgm:styleLbl>
+  <dgm:styleLbl name="fgAcc0">
+    <dgm:fillClrLst meth="repeat">
+      <a:schemeClr val="lt1">
+        <a:alpha val="90000"/>
+      </a:schemeClr>
+    </dgm:fillClrLst>
+    <dgm:linClrLst>
+      <a:schemeClr val="accent1"/>
+    </dgm:linClrLst>
+    <dgm:effectClrLst/>
+    <dgm:txLinClrLst/>
+    <dgm:txFillClrLst meth="repeat">
+      <a:schemeClr val="dk1"/>
+    </dgm:txFillClrLst>
+    <dgm:txEffectClrLst/>
+  </dgm:styleLbl>
+  <dgm:styleLbl name="fgAcc2">
+    <dgm:fillClrLst meth="repeat">
+      <a:schemeClr val="lt1">
+        <a:alpha val="90000"/>
+      </a:schemeClr>
+    </dgm:fillClrLst>
+    <dgm:linClrLst>
+      <a:schemeClr val="accent2"/>
+    </dgm:linClrLst>
+    <dgm:effectClrLst/>
+    <dgm:txLinClrLst/>
+    <dgm:txFillClrLst meth="repeat">
+      <a:schemeClr val="dk1"/>
+    </dgm:txFillClrLst>
+    <dgm:txEffectClrLst/>
+  </dgm:styleLbl>
+  <dgm:styleLbl name="fgAcc3">
+    <dgm:fillClrLst meth="repeat">
+      <a:schemeClr val="lt1">
+        <a:alpha val="90000"/>
+      </a:schemeClr>
+    </dgm:fillClrLst>
+    <dgm:linClrLst>
+      <a:schemeClr val="accent3"/>
+    </dgm:linClrLst>
+    <dgm:effectClrLst/>
+    <dgm:txLinClrLst/>
+    <dgm:txFillClrLst meth="repeat">
+      <a:schemeClr val="dk1"/>
+    </dgm:txFillClrLst>
+    <dgm:txEffectClrLst/>
+  </dgm:styleLbl>
+  <dgm:styleLbl name="fgAcc4">
+    <dgm:fillClrLst meth="repeat">
+      <a:schemeClr val="lt1">
+        <a:alpha val="90000"/>
+      </a:schemeClr>
+    </dgm:fillClrLst>
+    <dgm:linClrLst>
+      <a:schemeClr val="accent4"/>
+    </dgm:linClrLst>
+    <dgm:effectClrLst/>
+    <dgm:txLinClrLst/>
+    <dgm:txFillClrLst meth="repeat">
+      <a:schemeClr val="dk1"/>
+    </dgm:txFillClrLst>
+    <dgm:txEffectClrLst/>
+  </dgm:styleLbl>
+  <dgm:styleLbl name="bgShp">
+    <dgm:fillClrLst meth="repeat">
+      <a:schemeClr val="accent2">
+        <a:tint val="40000"/>
+      </a:schemeClr>
+    </dgm:fillClrLst>
+    <dgm:linClrLst meth="repeat">
+      <a:schemeClr val="dk1"/>
+    </dgm:linClrLst>
+    <dgm:effectClrLst/>
+    <dgm:txLinClrLst/>
+    <dgm:txFillClrLst meth="repeat">
+      <a:schemeClr val="dk1"/>
+    </dgm:txFillClrLst>
+    <dgm:txEffectClrLst/>
+  </dgm:styleLbl>
+  <dgm:styleLbl name="dkBgShp">
+    <dgm:fillClrLst meth="repeat">
+      <a:schemeClr val="accent2">
+        <a:shade val="90000"/>
+      </a:schemeClr>
+    </dgm:fillClrLst>
+    <dgm:linClrLst meth="repeat">
+      <a:schemeClr val="dk1"/>
+    </dgm:linClrLst>
+    <dgm:effectClrLst/>
+    <dgm:txLinClrLst/>
+    <dgm:txFillClrLst meth="repeat">
+      <a:schemeClr val="lt1"/>
+    </dgm:txFillClrLst>
+    <dgm:txEffectClrLst/>
+  </dgm:styleLbl>
+  <dgm:styleLbl name="trBgShp">
+    <dgm:fillClrLst meth="repeat">
+      <a:schemeClr val="accent1">
+        <a:tint val="50000"/>
+        <a:alpha val="40000"/>
+      </a:schemeClr>
+    </dgm:fillClrLst>
+    <dgm:linClrLst meth="repeat">
+      <a:schemeClr val="accent2"/>
+    </dgm:linClrLst>
+    <dgm:effectClrLst/>
+    <dgm:txLinClrLst/>
+    <dgm:txFillClrLst meth="repeat">
+      <a:schemeClr val="lt1"/>
+    </dgm:txFillClrLst>
+    <dgm:txEffectClrLst/>
+  </dgm:styleLbl>
+  <dgm:styleLbl name="fgShp">
+    <dgm:fillClrLst meth="repeat">
+      <a:schemeClr val="accent2">
+        <a:tint val="40000"/>
+      </a:schemeClr>
+    </dgm:fillClrLst>
+    <dgm:linClrLst meth="repeat">
+      <a:schemeClr val="lt1"/>
+    </dgm:linClrLst>
+    <dgm:effectClrLst/>
+    <dgm:txLinClrLst/>
+    <dgm:txFillClrLst meth="repeat">
+      <a:schemeClr val="dk1"/>
+    </dgm:txFillClrLst>
+    <dgm:txEffectClrLst/>
+  </dgm:styleLbl>
+  <dgm:styleLbl name="revTx">
+    <dgm:fillClrLst meth="repeat">
+      <a:schemeClr val="lt1">
+        <a:alpha val="0"/>
+      </a:schemeClr>
+    </dgm:fillClrLst>
+    <dgm:linClrLst meth="repeat">
+      <a:schemeClr val="dk1">
+        <a:alpha val="0"/>
+      </a:schemeClr>
+    </dgm:linClrLst>
+    <dgm:effectClrLst/>
+    <dgm:txLinClrLst/>
+    <dgm:txFillClrLst meth="repeat">
+      <a:schemeClr val="tx1"/>
+    </dgm:txFillClrLst>
+    <dgm:txEffectClrLst/>
+  </dgm:styleLbl>
+</dgm:colorsDef>
+</file>
+
+<file path=ppt/diagrams/data1.xml><?xml version="1.0" encoding="utf-8"?>
+<dgm:dataModel xmlns:dgm="http://schemas.openxmlformats.org/drawingml/2006/diagram" xmlns:a="http://schemas.openxmlformats.org/drawingml/2006/main">
+  <dgm:ptLst>
+    <dgm:pt modelId="{67A862AE-C951-3343-AA5E-A47FC2B94926}" type="doc">
+      <dgm:prSet loTypeId="urn:microsoft.com/office/officeart/2005/8/layout/process1" loCatId="" qsTypeId="urn:microsoft.com/office/officeart/2005/8/quickstyle/simple1" qsCatId="simple" csTypeId="urn:microsoft.com/office/officeart/2005/8/colors/colorful1" csCatId="colorful" phldr="1"/>
+      <dgm:spPr/>
+    </dgm:pt>
+    <dgm:pt modelId="{5685D1EA-9742-0747-98C9-352586E26969}">
+      <dgm:prSet phldrT="[Text]"/>
+      <dgm:spPr/>
+      <dgm:t>
+        <a:bodyPr/>
+        <a:lstStyle/>
+        <a:p>
+          <a:r>
+            <a:rPr lang="en-US" dirty="0" smtClean="0"/>
+            <a:t>Sample</a:t>
+          </a:r>
+          <a:endParaRPr lang="en-US" dirty="0"/>
+        </a:p>
+      </dgm:t>
+    </dgm:pt>
+    <dgm:pt modelId="{E82B02D1-ED36-EC44-ADA1-97E3508E4BEE}" type="parTrans" cxnId="{00C0B89B-C170-6A46-88F7-6C4FEBA2639C}">
+      <dgm:prSet/>
+      <dgm:spPr/>
+      <dgm:t>
+        <a:bodyPr/>
+        <a:lstStyle/>
+        <a:p>
+          <a:endParaRPr lang="en-US"/>
+        </a:p>
+      </dgm:t>
+    </dgm:pt>
+    <dgm:pt modelId="{618E43E5-726C-A84B-B8FC-2B90ADACF3A3}" type="sibTrans" cxnId="{00C0B89B-C170-6A46-88F7-6C4FEBA2639C}">
+      <dgm:prSet/>
+      <dgm:spPr/>
+      <dgm:t>
+        <a:bodyPr/>
+        <a:lstStyle/>
+        <a:p>
+          <a:endParaRPr lang="en-US"/>
+        </a:p>
+      </dgm:t>
+    </dgm:pt>
+    <dgm:pt modelId="{892082E3-E2B8-B243-9D27-A9D68B2A0A6F}">
+      <dgm:prSet phldrT="[Text]"/>
+      <dgm:spPr/>
+      <dgm:t>
+        <a:bodyPr/>
+        <a:lstStyle/>
+        <a:p>
+          <a:r>
+            <a:rPr lang="en-US" dirty="0" smtClean="0"/>
+            <a:t>Reads</a:t>
+          </a:r>
+          <a:endParaRPr lang="en-US" dirty="0"/>
+        </a:p>
+      </dgm:t>
+    </dgm:pt>
+    <dgm:pt modelId="{D712BD59-C116-C141-BFCC-C238ECCDF6AD}" type="parTrans" cxnId="{BC2302D9-FACA-EB42-A64C-9CBEB55F8B4B}">
+      <dgm:prSet/>
+      <dgm:spPr/>
+      <dgm:t>
+        <a:bodyPr/>
+        <a:lstStyle/>
+        <a:p>
+          <a:endParaRPr lang="en-US"/>
+        </a:p>
+      </dgm:t>
+    </dgm:pt>
+    <dgm:pt modelId="{C907EB1E-FBAF-2E4D-BA97-92D24D023D67}" type="sibTrans" cxnId="{BC2302D9-FACA-EB42-A64C-9CBEB55F8B4B}">
+      <dgm:prSet/>
+      <dgm:spPr/>
+      <dgm:t>
+        <a:bodyPr/>
+        <a:lstStyle/>
+        <a:p>
+          <a:endParaRPr lang="en-US"/>
+        </a:p>
+      </dgm:t>
+    </dgm:pt>
+    <dgm:pt modelId="{14E26BB5-FC2B-FF42-88BE-7C16A3D1556A}">
+      <dgm:prSet phldrT="[Text]"/>
+      <dgm:spPr/>
+      <dgm:t>
+        <a:bodyPr/>
+        <a:lstStyle/>
+        <a:p>
+          <a:r>
+            <a:rPr lang="en-US" dirty="0" smtClean="0"/>
+            <a:t>Genome assembly</a:t>
+          </a:r>
+          <a:endParaRPr lang="en-US" dirty="0"/>
+        </a:p>
+      </dgm:t>
+    </dgm:pt>
+    <dgm:pt modelId="{C3DA2391-8E8C-5045-8206-AEF93A3A0B16}" type="parTrans" cxnId="{B3AA005E-7064-B64A-A9DF-94D43A154E7A}">
+      <dgm:prSet/>
+      <dgm:spPr/>
+      <dgm:t>
+        <a:bodyPr/>
+        <a:lstStyle/>
+        <a:p>
+          <a:endParaRPr lang="en-US"/>
+        </a:p>
+      </dgm:t>
+    </dgm:pt>
+    <dgm:pt modelId="{3A11A08D-79F1-134C-AB5E-DEEE8FCDEDDC}" type="sibTrans" cxnId="{B3AA005E-7064-B64A-A9DF-94D43A154E7A}">
+      <dgm:prSet/>
+      <dgm:spPr/>
+      <dgm:t>
+        <a:bodyPr/>
+        <a:lstStyle/>
+        <a:p>
+          <a:endParaRPr lang="en-US"/>
+        </a:p>
+      </dgm:t>
+    </dgm:pt>
+    <dgm:pt modelId="{0E444195-E51D-C44B-804E-BABE290E1C7A}">
+      <dgm:prSet phldrT="[Text]"/>
+      <dgm:spPr/>
+      <dgm:t>
+        <a:bodyPr/>
+        <a:lstStyle/>
+        <a:p>
+          <a:r>
+            <a:rPr lang="en-US" dirty="0" smtClean="0"/>
+            <a:t>DNA</a:t>
+          </a:r>
+          <a:endParaRPr lang="en-US" dirty="0"/>
+        </a:p>
+      </dgm:t>
+    </dgm:pt>
+    <dgm:pt modelId="{A0BFA355-6B58-474A-B8D1-2CBD08722FE1}" type="parTrans" cxnId="{6ADC6688-2D46-B745-BAC2-C00E8924E219}">
+      <dgm:prSet/>
+      <dgm:spPr/>
+      <dgm:t>
+        <a:bodyPr/>
+        <a:lstStyle/>
+        <a:p>
+          <a:endParaRPr lang="en-US"/>
+        </a:p>
+      </dgm:t>
+    </dgm:pt>
+    <dgm:pt modelId="{14E08E45-4E10-1948-AF4E-94217F56E628}" type="sibTrans" cxnId="{6ADC6688-2D46-B745-BAC2-C00E8924E219}">
+      <dgm:prSet/>
+      <dgm:spPr/>
+      <dgm:t>
+        <a:bodyPr/>
+        <a:lstStyle/>
+        <a:p>
+          <a:endParaRPr lang="en-US"/>
+        </a:p>
+      </dgm:t>
+    </dgm:pt>
+    <dgm:pt modelId="{E2E308DF-114F-7E4F-A8E2-A9D9A11B879B}" type="pres">
+      <dgm:prSet presAssocID="{67A862AE-C951-3343-AA5E-A47FC2B94926}" presName="Name0" presStyleCnt="0">
+        <dgm:presLayoutVars>
+          <dgm:dir/>
+          <dgm:resizeHandles val="exact"/>
+        </dgm:presLayoutVars>
+      </dgm:prSet>
+      <dgm:spPr/>
+    </dgm:pt>
+    <dgm:pt modelId="{9319FB2F-583D-D241-B2D0-B56FD1A88687}" type="pres">
+      <dgm:prSet presAssocID="{5685D1EA-9742-0747-98C9-352586E26969}" presName="node" presStyleLbl="node1" presStyleIdx="0" presStyleCnt="4">
+        <dgm:presLayoutVars>
+          <dgm:bulletEnabled val="1"/>
+        </dgm:presLayoutVars>
+      </dgm:prSet>
+      <dgm:spPr/>
+      <dgm:t>
+        <a:bodyPr/>
+        <a:lstStyle/>
+        <a:p>
+          <a:endParaRPr lang="en-US"/>
+        </a:p>
+      </dgm:t>
+    </dgm:pt>
+    <dgm:pt modelId="{45116AEB-E7BC-F241-8ED8-AA503F9BA8AE}" type="pres">
+      <dgm:prSet presAssocID="{618E43E5-726C-A84B-B8FC-2B90ADACF3A3}" presName="sibTrans" presStyleLbl="sibTrans2D1" presStyleIdx="0" presStyleCnt="3"/>
+      <dgm:spPr/>
+      <dgm:t>
+        <a:bodyPr/>
+        <a:lstStyle/>
+        <a:p>
+          <a:endParaRPr lang="en-US"/>
+        </a:p>
+      </dgm:t>
+    </dgm:pt>
+    <dgm:pt modelId="{2EFD9B8A-AD90-6649-9BD2-063CD1CA0BC5}" type="pres">
+      <dgm:prSet presAssocID="{618E43E5-726C-A84B-B8FC-2B90ADACF3A3}" presName="connectorText" presStyleLbl="sibTrans2D1" presStyleIdx="0" presStyleCnt="3"/>
+      <dgm:spPr/>
+      <dgm:t>
+        <a:bodyPr/>
+        <a:lstStyle/>
+        <a:p>
+          <a:endParaRPr lang="en-US"/>
+        </a:p>
+      </dgm:t>
+    </dgm:pt>
+    <dgm:pt modelId="{03F20CBF-EB8B-6A4A-9302-6E61DA82C743}" type="pres">
+      <dgm:prSet presAssocID="{0E444195-E51D-C44B-804E-BABE290E1C7A}" presName="node" presStyleLbl="node1" presStyleIdx="1" presStyleCnt="4">
+        <dgm:presLayoutVars>
+          <dgm:bulletEnabled val="1"/>
+        </dgm:presLayoutVars>
+      </dgm:prSet>
+      <dgm:spPr/>
+      <dgm:t>
+        <a:bodyPr/>
+        <a:lstStyle/>
+        <a:p>
+          <a:endParaRPr lang="en-US"/>
+        </a:p>
+      </dgm:t>
+    </dgm:pt>
+    <dgm:pt modelId="{7FA10FCA-4C38-B84B-AD2C-BC0C1CF2CDA0}" type="pres">
+      <dgm:prSet presAssocID="{14E08E45-4E10-1948-AF4E-94217F56E628}" presName="sibTrans" presStyleLbl="sibTrans2D1" presStyleIdx="1" presStyleCnt="3"/>
+      <dgm:spPr/>
+      <dgm:t>
+        <a:bodyPr/>
+        <a:lstStyle/>
+        <a:p>
+          <a:endParaRPr lang="en-US"/>
+        </a:p>
+      </dgm:t>
+    </dgm:pt>
+    <dgm:pt modelId="{7513467A-18B2-A946-8085-523E61ADAB65}" type="pres">
+      <dgm:prSet presAssocID="{14E08E45-4E10-1948-AF4E-94217F56E628}" presName="connectorText" presStyleLbl="sibTrans2D1" presStyleIdx="1" presStyleCnt="3"/>
+      <dgm:spPr/>
+      <dgm:t>
+        <a:bodyPr/>
+        <a:lstStyle/>
+        <a:p>
+          <a:endParaRPr lang="en-US"/>
+        </a:p>
+      </dgm:t>
+    </dgm:pt>
+    <dgm:pt modelId="{1952AA36-53A1-0A47-8E41-AD8F9DAC2CF1}" type="pres">
+      <dgm:prSet presAssocID="{892082E3-E2B8-B243-9D27-A9D68B2A0A6F}" presName="node" presStyleLbl="node1" presStyleIdx="2" presStyleCnt="4">
+        <dgm:presLayoutVars>
+          <dgm:bulletEnabled val="1"/>
+        </dgm:presLayoutVars>
+      </dgm:prSet>
+      <dgm:spPr/>
+      <dgm:t>
+        <a:bodyPr/>
+        <a:lstStyle/>
+        <a:p>
+          <a:endParaRPr lang="en-US"/>
+        </a:p>
+      </dgm:t>
+    </dgm:pt>
+    <dgm:pt modelId="{4F6305F4-9AE4-524D-9455-A7F5EE4EE610}" type="pres">
+      <dgm:prSet presAssocID="{C907EB1E-FBAF-2E4D-BA97-92D24D023D67}" presName="sibTrans" presStyleLbl="sibTrans2D1" presStyleIdx="2" presStyleCnt="3"/>
+      <dgm:spPr/>
+      <dgm:t>
+        <a:bodyPr/>
+        <a:lstStyle/>
+        <a:p>
+          <a:endParaRPr lang="en-US"/>
+        </a:p>
+      </dgm:t>
+    </dgm:pt>
+    <dgm:pt modelId="{197A1A0A-EFE7-7948-A8DE-F5E41047AE91}" type="pres">
+      <dgm:prSet presAssocID="{C907EB1E-FBAF-2E4D-BA97-92D24D023D67}" presName="connectorText" presStyleLbl="sibTrans2D1" presStyleIdx="2" presStyleCnt="3"/>
+      <dgm:spPr/>
+      <dgm:t>
+        <a:bodyPr/>
+        <a:lstStyle/>
+        <a:p>
+          <a:endParaRPr lang="en-US"/>
+        </a:p>
+      </dgm:t>
+    </dgm:pt>
+    <dgm:pt modelId="{69C77E50-B2DB-2541-89F5-36CED1B7D6BA}" type="pres">
+      <dgm:prSet presAssocID="{14E26BB5-FC2B-FF42-88BE-7C16A3D1556A}" presName="node" presStyleLbl="node1" presStyleIdx="3" presStyleCnt="4">
+        <dgm:presLayoutVars>
+          <dgm:bulletEnabled val="1"/>
+        </dgm:presLayoutVars>
+      </dgm:prSet>
+      <dgm:spPr/>
+      <dgm:t>
+        <a:bodyPr/>
+        <a:lstStyle/>
+        <a:p>
+          <a:endParaRPr lang="en-US"/>
+        </a:p>
+      </dgm:t>
+    </dgm:pt>
+  </dgm:ptLst>
+  <dgm:cxnLst>
+    <dgm:cxn modelId="{5439D6BB-D1C1-F94F-A422-B0B396F87FCD}" type="presOf" srcId="{892082E3-E2B8-B243-9D27-A9D68B2A0A6F}" destId="{1952AA36-53A1-0A47-8E41-AD8F9DAC2CF1}" srcOrd="0" destOrd="0" presId="urn:microsoft.com/office/officeart/2005/8/layout/process1"/>
+    <dgm:cxn modelId="{D31A47E1-6772-6A42-9218-05833649CB09}" type="presOf" srcId="{67A862AE-C951-3343-AA5E-A47FC2B94926}" destId="{E2E308DF-114F-7E4F-A8E2-A9D9A11B879B}" srcOrd="0" destOrd="0" presId="urn:microsoft.com/office/officeart/2005/8/layout/process1"/>
+    <dgm:cxn modelId="{6ADC6688-2D46-B745-BAC2-C00E8924E219}" srcId="{67A862AE-C951-3343-AA5E-A47FC2B94926}" destId="{0E444195-E51D-C44B-804E-BABE290E1C7A}" srcOrd="1" destOrd="0" parTransId="{A0BFA355-6B58-474A-B8D1-2CBD08722FE1}" sibTransId="{14E08E45-4E10-1948-AF4E-94217F56E628}"/>
+    <dgm:cxn modelId="{BC2302D9-FACA-EB42-A64C-9CBEB55F8B4B}" srcId="{67A862AE-C951-3343-AA5E-A47FC2B94926}" destId="{892082E3-E2B8-B243-9D27-A9D68B2A0A6F}" srcOrd="2" destOrd="0" parTransId="{D712BD59-C116-C141-BFCC-C238ECCDF6AD}" sibTransId="{C907EB1E-FBAF-2E4D-BA97-92D24D023D67}"/>
+    <dgm:cxn modelId="{B533BDB4-5788-334D-A7B7-3199C4C34C04}" type="presOf" srcId="{618E43E5-726C-A84B-B8FC-2B90ADACF3A3}" destId="{2EFD9B8A-AD90-6649-9BD2-063CD1CA0BC5}" srcOrd="1" destOrd="0" presId="urn:microsoft.com/office/officeart/2005/8/layout/process1"/>
+    <dgm:cxn modelId="{65FDD1EC-F5F6-BC41-93DB-067CB1561E0E}" type="presOf" srcId="{618E43E5-726C-A84B-B8FC-2B90ADACF3A3}" destId="{45116AEB-E7BC-F241-8ED8-AA503F9BA8AE}" srcOrd="0" destOrd="0" presId="urn:microsoft.com/office/officeart/2005/8/layout/process1"/>
+    <dgm:cxn modelId="{0C98A9ED-879D-4545-B4AE-0A77E2D39996}" type="presOf" srcId="{5685D1EA-9742-0747-98C9-352586E26969}" destId="{9319FB2F-583D-D241-B2D0-B56FD1A88687}" srcOrd="0" destOrd="0" presId="urn:microsoft.com/office/officeart/2005/8/layout/process1"/>
+    <dgm:cxn modelId="{F612F0A6-7421-7044-B8FA-EA3370FFE2D9}" type="presOf" srcId="{0E444195-E51D-C44B-804E-BABE290E1C7A}" destId="{03F20CBF-EB8B-6A4A-9302-6E61DA82C743}" srcOrd="0" destOrd="0" presId="urn:microsoft.com/office/officeart/2005/8/layout/process1"/>
+    <dgm:cxn modelId="{4B6C9D50-E034-3446-AA17-752D4E991C36}" type="presOf" srcId="{14E08E45-4E10-1948-AF4E-94217F56E628}" destId="{7513467A-18B2-A946-8085-523E61ADAB65}" srcOrd="1" destOrd="0" presId="urn:microsoft.com/office/officeart/2005/8/layout/process1"/>
+    <dgm:cxn modelId="{2EF1ED7A-B7D1-B642-A148-0E4AAAE3BA45}" type="presOf" srcId="{14E26BB5-FC2B-FF42-88BE-7C16A3D1556A}" destId="{69C77E50-B2DB-2541-89F5-36CED1B7D6BA}" srcOrd="0" destOrd="0" presId="urn:microsoft.com/office/officeart/2005/8/layout/process1"/>
+    <dgm:cxn modelId="{B3AA005E-7064-B64A-A9DF-94D43A154E7A}" srcId="{67A862AE-C951-3343-AA5E-A47FC2B94926}" destId="{14E26BB5-FC2B-FF42-88BE-7C16A3D1556A}" srcOrd="3" destOrd="0" parTransId="{C3DA2391-8E8C-5045-8206-AEF93A3A0B16}" sibTransId="{3A11A08D-79F1-134C-AB5E-DEEE8FCDEDDC}"/>
+    <dgm:cxn modelId="{107D9077-6B3D-454C-B18F-76063958E4A4}" type="presOf" srcId="{14E08E45-4E10-1948-AF4E-94217F56E628}" destId="{7FA10FCA-4C38-B84B-AD2C-BC0C1CF2CDA0}" srcOrd="0" destOrd="0" presId="urn:microsoft.com/office/officeart/2005/8/layout/process1"/>
+    <dgm:cxn modelId="{CD8E4F11-414D-8D48-B97E-816FD3F447CD}" type="presOf" srcId="{C907EB1E-FBAF-2E4D-BA97-92D24D023D67}" destId="{197A1A0A-EFE7-7948-A8DE-F5E41047AE91}" srcOrd="1" destOrd="0" presId="urn:microsoft.com/office/officeart/2005/8/layout/process1"/>
+    <dgm:cxn modelId="{00C0B89B-C170-6A46-88F7-6C4FEBA2639C}" srcId="{67A862AE-C951-3343-AA5E-A47FC2B94926}" destId="{5685D1EA-9742-0747-98C9-352586E26969}" srcOrd="0" destOrd="0" parTransId="{E82B02D1-ED36-EC44-ADA1-97E3508E4BEE}" sibTransId="{618E43E5-726C-A84B-B8FC-2B90ADACF3A3}"/>
+    <dgm:cxn modelId="{E982980A-CE13-2C43-8897-10275BF95A15}" type="presOf" srcId="{C907EB1E-FBAF-2E4D-BA97-92D24D023D67}" destId="{4F6305F4-9AE4-524D-9455-A7F5EE4EE610}" srcOrd="0" destOrd="0" presId="urn:microsoft.com/office/officeart/2005/8/layout/process1"/>
+    <dgm:cxn modelId="{1E5918E8-3837-424F-A3C1-9EB8DFAFD193}" type="presParOf" srcId="{E2E308DF-114F-7E4F-A8E2-A9D9A11B879B}" destId="{9319FB2F-583D-D241-B2D0-B56FD1A88687}" srcOrd="0" destOrd="0" presId="urn:microsoft.com/office/officeart/2005/8/layout/process1"/>
+    <dgm:cxn modelId="{7579BBF1-E600-EE4E-A874-801CD96F1CEC}" type="presParOf" srcId="{E2E308DF-114F-7E4F-A8E2-A9D9A11B879B}" destId="{45116AEB-E7BC-F241-8ED8-AA503F9BA8AE}" srcOrd="1" destOrd="0" presId="urn:microsoft.com/office/officeart/2005/8/layout/process1"/>
+    <dgm:cxn modelId="{18D13D7B-C7F9-CD4B-8096-3527F1EB5422}" type="presParOf" srcId="{45116AEB-E7BC-F241-8ED8-AA503F9BA8AE}" destId="{2EFD9B8A-AD90-6649-9BD2-063CD1CA0BC5}" srcOrd="0" destOrd="0" presId="urn:microsoft.com/office/officeart/2005/8/layout/process1"/>
+    <dgm:cxn modelId="{260EF37F-3728-7046-A1D7-A32005E0052E}" type="presParOf" srcId="{E2E308DF-114F-7E4F-A8E2-A9D9A11B879B}" destId="{03F20CBF-EB8B-6A4A-9302-6E61DA82C743}" srcOrd="2" destOrd="0" presId="urn:microsoft.com/office/officeart/2005/8/layout/process1"/>
+    <dgm:cxn modelId="{A34652D9-209D-5945-8CC7-150806358151}" type="presParOf" srcId="{E2E308DF-114F-7E4F-A8E2-A9D9A11B879B}" destId="{7FA10FCA-4C38-B84B-AD2C-BC0C1CF2CDA0}" srcOrd="3" destOrd="0" presId="urn:microsoft.com/office/officeart/2005/8/layout/process1"/>
+    <dgm:cxn modelId="{6F84413D-9ADE-6A45-A05F-10D551BD6609}" type="presParOf" srcId="{7FA10FCA-4C38-B84B-AD2C-BC0C1CF2CDA0}" destId="{7513467A-18B2-A946-8085-523E61ADAB65}" srcOrd="0" destOrd="0" presId="urn:microsoft.com/office/officeart/2005/8/layout/process1"/>
+    <dgm:cxn modelId="{9ADDF9A1-9976-8A40-999D-77902FF79C1B}" type="presParOf" srcId="{E2E308DF-114F-7E4F-A8E2-A9D9A11B879B}" destId="{1952AA36-53A1-0A47-8E41-AD8F9DAC2CF1}" srcOrd="4" destOrd="0" presId="urn:microsoft.com/office/officeart/2005/8/layout/process1"/>
+    <dgm:cxn modelId="{0956D740-D7D8-364D-A622-10D8AC912584}" type="presParOf" srcId="{E2E308DF-114F-7E4F-A8E2-A9D9A11B879B}" destId="{4F6305F4-9AE4-524D-9455-A7F5EE4EE610}" srcOrd="5" destOrd="0" presId="urn:microsoft.com/office/officeart/2005/8/layout/process1"/>
+    <dgm:cxn modelId="{D2DADFF5-6313-0745-88AC-B4690255ECA2}" type="presParOf" srcId="{4F6305F4-9AE4-524D-9455-A7F5EE4EE610}" destId="{197A1A0A-EFE7-7948-A8DE-F5E41047AE91}" srcOrd="0" destOrd="0" presId="urn:microsoft.com/office/officeart/2005/8/layout/process1"/>
+    <dgm:cxn modelId="{E15D17AD-81B9-4C4B-8FB7-20DFB998DF68}" type="presParOf" srcId="{E2E308DF-114F-7E4F-A8E2-A9D9A11B879B}" destId="{69C77E50-B2DB-2541-89F5-36CED1B7D6BA}" srcOrd="6" destOrd="0" presId="urn:microsoft.com/office/officeart/2005/8/layout/process1"/>
+  </dgm:cxnLst>
+  <dgm:bg/>
+  <dgm:whole/>
+  <dgm:extLst>
+    <a:ext uri="http://schemas.microsoft.com/office/drawing/2008/diagram">
+      <dsp:dataModelExt xmlns:dsp="http://schemas.microsoft.com/office/drawing/2008/diagram" relId="rId6" minVer="http://schemas.openxmlformats.org/drawingml/2006/diagram"/>
+    </a:ext>
+  </dgm:extLst>
+</dgm:dataModel>
+</file>
+
+<file path=ppt/diagrams/drawing1.xml><?xml version="1.0" encoding="utf-8"?>
+<dsp:drawing xmlns:dgm="http://schemas.openxmlformats.org/drawingml/2006/diagram" xmlns:dsp="http://schemas.microsoft.com/office/drawing/2008/diagram" xmlns:a="http://schemas.openxmlformats.org/drawingml/2006/main">
+  <dsp:spTree>
+    <dsp:nvGrpSpPr>
+      <dsp:cNvPr id="0" name=""/>
+      <dsp:cNvGrpSpPr/>
+    </dsp:nvGrpSpPr>
+    <dsp:grpSpPr/>
+    <dsp:sp modelId="{9319FB2F-583D-D241-B2D0-B56FD1A88687}">
+      <dsp:nvSpPr>
+        <dsp:cNvPr id="0" name=""/>
+        <dsp:cNvSpPr/>
+      </dsp:nvSpPr>
+      <dsp:spPr>
+        <a:xfrm>
+          <a:off x="3452" y="1579100"/>
+          <a:ext cx="1509664" cy="905798"/>
+        </a:xfrm>
+        <a:prstGeom prst="roundRect">
+          <a:avLst>
+            <a:gd name="adj" fmla="val 10000"/>
+          </a:avLst>
+        </a:prstGeom>
+        <a:solidFill>
+          <a:schemeClr val="accent2">
+            <a:hueOff val="0"/>
+            <a:satOff val="0"/>
+            <a:lumOff val="0"/>
+            <a:alphaOff val="0"/>
+          </a:schemeClr>
+        </a:solidFill>
+        <a:ln w="25400" cap="flat" cmpd="sng" algn="ctr">
+          <a:solidFill>
+            <a:schemeClr val="lt1">
+              <a:hueOff val="0"/>
+              <a:satOff val="0"/>
+              <a:lumOff val="0"/>
+              <a:alphaOff val="0"/>
+            </a:schemeClr>
+          </a:solidFill>
+          <a:prstDash val="solid"/>
+        </a:ln>
+        <a:effectLst/>
+      </dsp:spPr>
+      <dsp:style>
+        <a:lnRef idx="2">
+          <a:scrgbClr r="0" g="0" b="0"/>
+        </a:lnRef>
+        <a:fillRef idx="1">
+          <a:scrgbClr r="0" g="0" b="0"/>
+        </a:fillRef>
+        <a:effectRef idx="0">
+          <a:scrgbClr r="0" g="0" b="0"/>
+        </a:effectRef>
+        <a:fontRef idx="minor">
+          <a:schemeClr val="lt1"/>
+        </a:fontRef>
+      </dsp:style>
+      <dsp:txBody>
+        <a:bodyPr spcFirstLastPara="0" vert="horz" wrap="square" lIns="91440" tIns="91440" rIns="91440" bIns="91440" numCol="1" spcCol="1270" anchor="ctr" anchorCtr="0">
+          <a:noAutofit/>
+        </a:bodyPr>
+        <a:lstStyle/>
+        <a:p>
+          <a:pPr lvl="0" algn="ctr" defTabSz="1066800">
+            <a:lnSpc>
+              <a:spcPct val="90000"/>
+            </a:lnSpc>
+            <a:spcBef>
+              <a:spcPct val="0"/>
+            </a:spcBef>
+            <a:spcAft>
+              <a:spcPct val="35000"/>
+            </a:spcAft>
+          </a:pPr>
+          <a:r>
+            <a:rPr lang="en-US" sz="2400" kern="1200" dirty="0" smtClean="0"/>
+            <a:t>Sample</a:t>
+          </a:r>
+          <a:endParaRPr lang="en-US" sz="2400" kern="1200" dirty="0"/>
+        </a:p>
+      </dsp:txBody>
+      <dsp:txXfrm>
+        <a:off x="29982" y="1605630"/>
+        <a:ext cx="1456604" cy="852738"/>
+      </dsp:txXfrm>
+    </dsp:sp>
+    <dsp:sp modelId="{45116AEB-E7BC-F241-8ED8-AA503F9BA8AE}">
+      <dsp:nvSpPr>
+        <dsp:cNvPr id="0" name=""/>
+        <dsp:cNvSpPr/>
+      </dsp:nvSpPr>
+      <dsp:spPr>
+        <a:xfrm>
+          <a:off x="1664083" y="1844801"/>
+          <a:ext cx="320048" cy="374396"/>
+        </a:xfrm>
+        <a:prstGeom prst="rightArrow">
+          <a:avLst>
+            <a:gd name="adj1" fmla="val 60000"/>
+            <a:gd name="adj2" fmla="val 50000"/>
+          </a:avLst>
+        </a:prstGeom>
+        <a:solidFill>
+          <a:schemeClr val="accent2">
+            <a:hueOff val="0"/>
+            <a:satOff val="0"/>
+            <a:lumOff val="0"/>
+            <a:alphaOff val="0"/>
+          </a:schemeClr>
+        </a:solidFill>
+        <a:ln>
+          <a:noFill/>
+        </a:ln>
+        <a:effectLst/>
+      </dsp:spPr>
+      <dsp:style>
+        <a:lnRef idx="0">
+          <a:scrgbClr r="0" g="0" b="0"/>
+        </a:lnRef>
+        <a:fillRef idx="1">
+          <a:scrgbClr r="0" g="0" b="0"/>
+        </a:fillRef>
+        <a:effectRef idx="0">
+          <a:scrgbClr r="0" g="0" b="0"/>
+        </a:effectRef>
+        <a:fontRef idx="minor">
+          <a:schemeClr val="lt1"/>
+        </a:fontRef>
+      </dsp:style>
+      <dsp:txBody>
+        <a:bodyPr spcFirstLastPara="0" vert="horz" wrap="square" lIns="0" tIns="0" rIns="0" bIns="0" numCol="1" spcCol="1270" anchor="ctr" anchorCtr="0">
+          <a:noAutofit/>
+        </a:bodyPr>
+        <a:lstStyle/>
+        <a:p>
+          <a:pPr lvl="0" algn="ctr" defTabSz="711200">
+            <a:lnSpc>
+              <a:spcPct val="90000"/>
+            </a:lnSpc>
+            <a:spcBef>
+              <a:spcPct val="0"/>
+            </a:spcBef>
+            <a:spcAft>
+              <a:spcPct val="35000"/>
+            </a:spcAft>
+          </a:pPr>
+          <a:endParaRPr lang="en-US" sz="1600" kern="1200"/>
+        </a:p>
+      </dsp:txBody>
+      <dsp:txXfrm>
+        <a:off x="1664083" y="1919680"/>
+        <a:ext cx="224034" cy="224638"/>
+      </dsp:txXfrm>
+    </dsp:sp>
+    <dsp:sp modelId="{03F20CBF-EB8B-6A4A-9302-6E61DA82C743}">
+      <dsp:nvSpPr>
+        <dsp:cNvPr id="0" name=""/>
+        <dsp:cNvSpPr/>
+      </dsp:nvSpPr>
+      <dsp:spPr>
+        <a:xfrm>
+          <a:off x="2116983" y="1579100"/>
+          <a:ext cx="1509664" cy="905798"/>
+        </a:xfrm>
+        <a:prstGeom prst="roundRect">
+          <a:avLst>
+            <a:gd name="adj" fmla="val 10000"/>
+          </a:avLst>
+        </a:prstGeom>
+        <a:solidFill>
+          <a:schemeClr val="accent3">
+            <a:hueOff val="0"/>
+            <a:satOff val="0"/>
+            <a:lumOff val="0"/>
+            <a:alphaOff val="0"/>
+          </a:schemeClr>
+        </a:solidFill>
+        <a:ln w="25400" cap="flat" cmpd="sng" algn="ctr">
+          <a:solidFill>
+            <a:schemeClr val="lt1">
+              <a:hueOff val="0"/>
+              <a:satOff val="0"/>
+              <a:lumOff val="0"/>
+              <a:alphaOff val="0"/>
+            </a:schemeClr>
+          </a:solidFill>
+          <a:prstDash val="solid"/>
+        </a:ln>
+        <a:effectLst/>
+      </dsp:spPr>
+      <dsp:style>
+        <a:lnRef idx="2">
+          <a:scrgbClr r="0" g="0" b="0"/>
+        </a:lnRef>
+        <a:fillRef idx="1">
+          <a:scrgbClr r="0" g="0" b="0"/>
+        </a:fillRef>
+        <a:effectRef idx="0">
+          <a:scrgbClr r="0" g="0" b="0"/>
+        </a:effectRef>
+        <a:fontRef idx="minor">
+          <a:schemeClr val="lt1"/>
+        </a:fontRef>
+      </dsp:style>
+      <dsp:txBody>
+        <a:bodyPr spcFirstLastPara="0" vert="horz" wrap="square" lIns="91440" tIns="91440" rIns="91440" bIns="91440" numCol="1" spcCol="1270" anchor="ctr" anchorCtr="0">
+          <a:noAutofit/>
+        </a:bodyPr>
+        <a:lstStyle/>
+        <a:p>
+          <a:pPr lvl="0" algn="ctr" defTabSz="1066800">
+            <a:lnSpc>
+              <a:spcPct val="90000"/>
+            </a:lnSpc>
+            <a:spcBef>
+              <a:spcPct val="0"/>
+            </a:spcBef>
+            <a:spcAft>
+              <a:spcPct val="35000"/>
+            </a:spcAft>
+          </a:pPr>
+          <a:r>
+            <a:rPr lang="en-US" sz="2400" kern="1200" dirty="0" smtClean="0"/>
+            <a:t>DNA</a:t>
+          </a:r>
+          <a:endParaRPr lang="en-US" sz="2400" kern="1200" dirty="0"/>
+        </a:p>
+      </dsp:txBody>
+      <dsp:txXfrm>
+        <a:off x="2143513" y="1605630"/>
+        <a:ext cx="1456604" cy="852738"/>
+      </dsp:txXfrm>
+    </dsp:sp>
+    <dsp:sp modelId="{7FA10FCA-4C38-B84B-AD2C-BC0C1CF2CDA0}">
+      <dsp:nvSpPr>
+        <dsp:cNvPr id="0" name=""/>
+        <dsp:cNvSpPr/>
+      </dsp:nvSpPr>
+      <dsp:spPr>
+        <a:xfrm>
+          <a:off x="3777614" y="1844801"/>
+          <a:ext cx="320048" cy="374396"/>
+        </a:xfrm>
+        <a:prstGeom prst="rightArrow">
+          <a:avLst>
+            <a:gd name="adj1" fmla="val 60000"/>
+            <a:gd name="adj2" fmla="val 50000"/>
+          </a:avLst>
+        </a:prstGeom>
+        <a:solidFill>
+          <a:schemeClr val="accent3">
+            <a:hueOff val="0"/>
+            <a:satOff val="0"/>
+            <a:lumOff val="0"/>
+            <a:alphaOff val="0"/>
+          </a:schemeClr>
+        </a:solidFill>
+        <a:ln>
+          <a:noFill/>
+        </a:ln>
+        <a:effectLst/>
+      </dsp:spPr>
+      <dsp:style>
+        <a:lnRef idx="0">
+          <a:scrgbClr r="0" g="0" b="0"/>
+        </a:lnRef>
+        <a:fillRef idx="1">
+          <a:scrgbClr r="0" g="0" b="0"/>
+        </a:fillRef>
+        <a:effectRef idx="0">
+          <a:scrgbClr r="0" g="0" b="0"/>
+        </a:effectRef>
+        <a:fontRef idx="minor">
+          <a:schemeClr val="lt1"/>
+        </a:fontRef>
+      </dsp:style>
+      <dsp:txBody>
+        <a:bodyPr spcFirstLastPara="0" vert="horz" wrap="square" lIns="0" tIns="0" rIns="0" bIns="0" numCol="1" spcCol="1270" anchor="ctr" anchorCtr="0">
+          <a:noAutofit/>
+        </a:bodyPr>
+        <a:lstStyle/>
+        <a:p>
+          <a:pPr lvl="0" algn="ctr" defTabSz="711200">
+            <a:lnSpc>
+              <a:spcPct val="90000"/>
+            </a:lnSpc>
+            <a:spcBef>
+              <a:spcPct val="0"/>
+            </a:spcBef>
+            <a:spcAft>
+              <a:spcPct val="35000"/>
+            </a:spcAft>
+          </a:pPr>
+          <a:endParaRPr lang="en-US" sz="1600" kern="1200"/>
+        </a:p>
+      </dsp:txBody>
+      <dsp:txXfrm>
+        <a:off x="3777614" y="1919680"/>
+        <a:ext cx="224034" cy="224638"/>
+      </dsp:txXfrm>
+    </dsp:sp>
+    <dsp:sp modelId="{1952AA36-53A1-0A47-8E41-AD8F9DAC2CF1}">
+      <dsp:nvSpPr>
+        <dsp:cNvPr id="0" name=""/>
+        <dsp:cNvSpPr/>
+      </dsp:nvSpPr>
+      <dsp:spPr>
+        <a:xfrm>
+          <a:off x="4230513" y="1579100"/>
+          <a:ext cx="1509664" cy="905798"/>
+        </a:xfrm>
+        <a:prstGeom prst="roundRect">
+          <a:avLst>
+            <a:gd name="adj" fmla="val 10000"/>
+          </a:avLst>
+        </a:prstGeom>
+        <a:solidFill>
+          <a:schemeClr val="accent4">
+            <a:hueOff val="0"/>
+            <a:satOff val="0"/>
+            <a:lumOff val="0"/>
+            <a:alphaOff val="0"/>
+          </a:schemeClr>
+        </a:solidFill>
+        <a:ln w="25400" cap="flat" cmpd="sng" algn="ctr">
+          <a:solidFill>
+            <a:schemeClr val="lt1">
+              <a:hueOff val="0"/>
+              <a:satOff val="0"/>
+              <a:lumOff val="0"/>
+              <a:alphaOff val="0"/>
+            </a:schemeClr>
+          </a:solidFill>
+          <a:prstDash val="solid"/>
+        </a:ln>
+        <a:effectLst/>
+      </dsp:spPr>
+      <dsp:style>
+        <a:lnRef idx="2">
+          <a:scrgbClr r="0" g="0" b="0"/>
+        </a:lnRef>
+        <a:fillRef idx="1">
+          <a:scrgbClr r="0" g="0" b="0"/>
+        </a:fillRef>
+        <a:effectRef idx="0">
+          <a:scrgbClr r="0" g="0" b="0"/>
+        </a:effectRef>
+        <a:fontRef idx="minor">
+          <a:schemeClr val="lt1"/>
+        </a:fontRef>
+      </dsp:style>
+      <dsp:txBody>
+        <a:bodyPr spcFirstLastPara="0" vert="horz" wrap="square" lIns="91440" tIns="91440" rIns="91440" bIns="91440" numCol="1" spcCol="1270" anchor="ctr" anchorCtr="0">
+          <a:noAutofit/>
+        </a:bodyPr>
+        <a:lstStyle/>
+        <a:p>
+          <a:pPr lvl="0" algn="ctr" defTabSz="1066800">
+            <a:lnSpc>
+              <a:spcPct val="90000"/>
+            </a:lnSpc>
+            <a:spcBef>
+              <a:spcPct val="0"/>
+            </a:spcBef>
+            <a:spcAft>
+              <a:spcPct val="35000"/>
+            </a:spcAft>
+          </a:pPr>
+          <a:r>
+            <a:rPr lang="en-US" sz="2400" kern="1200" dirty="0" smtClean="0"/>
+            <a:t>Reads</a:t>
+          </a:r>
+          <a:endParaRPr lang="en-US" sz="2400" kern="1200" dirty="0"/>
+        </a:p>
+      </dsp:txBody>
+      <dsp:txXfrm>
+        <a:off x="4257043" y="1605630"/>
+        <a:ext cx="1456604" cy="852738"/>
+      </dsp:txXfrm>
+    </dsp:sp>
+    <dsp:sp modelId="{4F6305F4-9AE4-524D-9455-A7F5EE4EE610}">
+      <dsp:nvSpPr>
+        <dsp:cNvPr id="0" name=""/>
+        <dsp:cNvSpPr/>
+      </dsp:nvSpPr>
+      <dsp:spPr>
+        <a:xfrm>
+          <a:off x="5891144" y="1844801"/>
+          <a:ext cx="320048" cy="374396"/>
+        </a:xfrm>
+        <a:prstGeom prst="rightArrow">
+          <a:avLst>
+            <a:gd name="adj1" fmla="val 60000"/>
+            <a:gd name="adj2" fmla="val 50000"/>
+          </a:avLst>
+        </a:prstGeom>
+        <a:solidFill>
+          <a:schemeClr val="accent4">
+            <a:hueOff val="0"/>
+            <a:satOff val="0"/>
+            <a:lumOff val="0"/>
+            <a:alphaOff val="0"/>
+          </a:schemeClr>
+        </a:solidFill>
+        <a:ln>
+          <a:noFill/>
+        </a:ln>
+        <a:effectLst/>
+      </dsp:spPr>
+      <dsp:style>
+        <a:lnRef idx="0">
+          <a:scrgbClr r="0" g="0" b="0"/>
+        </a:lnRef>
+        <a:fillRef idx="1">
+          <a:scrgbClr r="0" g="0" b="0"/>
+        </a:fillRef>
+        <a:effectRef idx="0">
+          <a:scrgbClr r="0" g="0" b="0"/>
+        </a:effectRef>
+        <a:fontRef idx="minor">
+          <a:schemeClr val="lt1"/>
+        </a:fontRef>
+      </dsp:style>
+      <dsp:txBody>
+        <a:bodyPr spcFirstLastPara="0" vert="horz" wrap="square" lIns="0" tIns="0" rIns="0" bIns="0" numCol="1" spcCol="1270" anchor="ctr" anchorCtr="0">
+          <a:noAutofit/>
+        </a:bodyPr>
+        <a:lstStyle/>
+        <a:p>
+          <a:pPr lvl="0" algn="ctr" defTabSz="711200">
+            <a:lnSpc>
+              <a:spcPct val="90000"/>
+            </a:lnSpc>
+            <a:spcBef>
+              <a:spcPct val="0"/>
+            </a:spcBef>
+            <a:spcAft>
+              <a:spcPct val="35000"/>
+            </a:spcAft>
+          </a:pPr>
+          <a:endParaRPr lang="en-US" sz="1600" kern="1200"/>
+        </a:p>
+      </dsp:txBody>
+      <dsp:txXfrm>
+        <a:off x="5891144" y="1919680"/>
+        <a:ext cx="224034" cy="224638"/>
+      </dsp:txXfrm>
+    </dsp:sp>
+    <dsp:sp modelId="{69C77E50-B2DB-2541-89F5-36CED1B7D6BA}">
+      <dsp:nvSpPr>
+        <dsp:cNvPr id="0" name=""/>
+        <dsp:cNvSpPr/>
+      </dsp:nvSpPr>
+      <dsp:spPr>
+        <a:xfrm>
+          <a:off x="6344043" y="1579100"/>
+          <a:ext cx="1509664" cy="905798"/>
+        </a:xfrm>
+        <a:prstGeom prst="roundRect">
+          <a:avLst>
+            <a:gd name="adj" fmla="val 10000"/>
+          </a:avLst>
+        </a:prstGeom>
+        <a:solidFill>
+          <a:schemeClr val="accent5">
+            <a:hueOff val="0"/>
+            <a:satOff val="0"/>
+            <a:lumOff val="0"/>
+            <a:alphaOff val="0"/>
+          </a:schemeClr>
+        </a:solidFill>
+        <a:ln w="25400" cap="flat" cmpd="sng" algn="ctr">
+          <a:solidFill>
+            <a:schemeClr val="lt1">
+              <a:hueOff val="0"/>
+              <a:satOff val="0"/>
+              <a:lumOff val="0"/>
+              <a:alphaOff val="0"/>
+            </a:schemeClr>
+          </a:solidFill>
+          <a:prstDash val="solid"/>
+        </a:ln>
+        <a:effectLst/>
+      </dsp:spPr>
+      <dsp:style>
+        <a:lnRef idx="2">
+          <a:scrgbClr r="0" g="0" b="0"/>
+        </a:lnRef>
+        <a:fillRef idx="1">
+          <a:scrgbClr r="0" g="0" b="0"/>
+        </a:fillRef>
+        <a:effectRef idx="0">
+          <a:scrgbClr r="0" g="0" b="0"/>
+        </a:effectRef>
+        <a:fontRef idx="minor">
+          <a:schemeClr val="lt1"/>
+        </a:fontRef>
+      </dsp:style>
+      <dsp:txBody>
+        <a:bodyPr spcFirstLastPara="0" vert="horz" wrap="square" lIns="91440" tIns="91440" rIns="91440" bIns="91440" numCol="1" spcCol="1270" anchor="ctr" anchorCtr="0">
+          <a:noAutofit/>
+        </a:bodyPr>
+        <a:lstStyle/>
+        <a:p>
+          <a:pPr lvl="0" algn="ctr" defTabSz="1066800">
+            <a:lnSpc>
+              <a:spcPct val="90000"/>
+            </a:lnSpc>
+            <a:spcBef>
+              <a:spcPct val="0"/>
+            </a:spcBef>
+            <a:spcAft>
+              <a:spcPct val="35000"/>
+            </a:spcAft>
+          </a:pPr>
+          <a:r>
+            <a:rPr lang="en-US" sz="2400" kern="1200" dirty="0" smtClean="0"/>
+            <a:t>Genome assembly</a:t>
+          </a:r>
+          <a:endParaRPr lang="en-US" sz="2400" kern="1200" dirty="0"/>
+        </a:p>
+      </dsp:txBody>
+      <dsp:txXfrm>
+        <a:off x="6370573" y="1605630"/>
+        <a:ext cx="1456604" cy="852738"/>
+      </dsp:txXfrm>
+    </dsp:sp>
+  </dsp:spTree>
+</dsp:drawing>
+</file>
+
+<file path=ppt/diagrams/layout1.xml><?xml version="1.0" encoding="utf-8"?>
+<dgm:layoutDef xmlns:dgm="http://schemas.openxmlformats.org/drawingml/2006/diagram" xmlns:a="http://schemas.openxmlformats.org/drawingml/2006/main" uniqueId="urn:microsoft.com/office/officeart/2005/8/layout/process1">
+  <dgm:title val=""/>
+  <dgm:desc val=""/>
+  <dgm:catLst>
+    <dgm:cat type="process" pri="1000"/>
+    <dgm:cat type="convert" pri="15000"/>
+  </dgm:catLst>
+  <dgm:sampData useDef="1">
+    <dgm:dataModel>
+      <dgm:ptLst/>
+      <dgm:bg/>
+      <dgm:whole/>
+    </dgm:dataModel>
+  </dgm:sampData>
+  <dgm:styleData>
+    <dgm:dataModel>
+      <dgm:ptLst>
+        <dgm:pt modelId="0" type="doc"/>
+        <dgm:pt modelId="1"/>
+        <dgm:pt modelId="2"/>
+      </dgm:ptLst>
+      <dgm:cxnLst>
+        <dgm:cxn modelId="3" srcId="0" destId="1" srcOrd="0" destOrd="0"/>
+        <dgm:cxn modelId="4" srcId="0" destId="2" srcOrd="1" destOrd="0"/>
+      </dgm:cxnLst>
+      <dgm:bg/>
+      <dgm:whole/>
+    </dgm:dataModel>
+  </dgm:styleData>
+  <dgm:clrData>
+    <dgm:dataModel>
+      <dgm:ptLst>
+        <dgm:pt modelId="0" type="doc"/>
+        <dgm:pt modelId="1"/>
+        <dgm:pt modelId="2"/>
+        <dgm:pt modelId="3"/>
+        <dgm:pt modelId="4"/>
+      </dgm:ptLst>
+      <dgm:cxnLst>
+        <dgm:cxn modelId="5" srcId="0" destId="1" srcOrd="0" destOrd="0"/>
+        <dgm:cxn modelId="6" srcId="0" destId="2" srcOrd="1" destOrd="0"/>
+        <dgm:cxn modelId="7" srcId="0" destId="3" srcOrd="2" destOrd="0"/>
+        <dgm:cxn modelId="8" srcId="0" destId="4" srcOrd="3" destOrd="0"/>
+      </dgm:cxnLst>
+      <dgm:bg/>
+      <dgm:whole/>
+    </dgm:dataModel>
+  </dgm:clrData>
+  <dgm:layoutNode name="Name0">
+    <dgm:varLst>
+      <dgm:dir/>
+      <dgm:resizeHandles val="exact"/>
+    </dgm:varLst>
+    <dgm:choose name="Name1">
+      <dgm:if name="Name2" func="var" arg="dir" op="equ" val="norm">
+        <dgm:alg type="lin"/>
+      </dgm:if>
+      <dgm:else name="Name3">
+        <dgm:alg type="lin">
+          <dgm:param type="linDir" val="fromR"/>
+        </dgm:alg>
+      </dgm:else>
+    </dgm:choose>
+    <dgm:shape xmlns:r="http://schemas.openxmlformats.org/officeDocument/2006/relationships" r:blip="">
+      <dgm:adjLst/>
+    </dgm:shape>
+    <dgm:presOf/>
+    <dgm:constrLst>
+      <dgm:constr type="w" for="ch" ptType="node" refType="w"/>
+      <dgm:constr type="h" for="ch" ptType="node" op="equ"/>
+      <dgm:constr type="primFontSz" for="ch" ptType="node" op="equ" val="65"/>
+      <dgm:constr type="w" for="ch" ptType="sibTrans" refType="w" refFor="ch" refPtType="node" op="equ" fact="0.4"/>
+      <dgm:constr type="h" for="ch" ptType="sibTrans" op="equ"/>
+      <dgm:constr type="primFontSz" for="des" forName="connectorText" op="equ" val="55"/>
+      <dgm:constr type="primFontSz" for="des" forName="connectorText" refType="primFontSz" refFor="ch" refPtType="node" op="lte" fact="0.8"/>
+    </dgm:constrLst>
+    <dgm:ruleLst/>
+    <dgm:forEach name="nodesForEach" axis="ch" ptType="node">
+      <dgm:layoutNode name="node">
+        <dgm:varLst>
+          <dgm:bulletEnabled val="1"/>
+        </dgm:varLst>
+        <dgm:alg type="tx"/>
+        <dgm:shape xmlns:r="http://schemas.openxmlformats.org/officeDocument/2006/relationships" type="roundRect" r:blip="">
+          <dgm:adjLst>
+            <dgm:adj idx="1" val="0.1"/>
+          </dgm:adjLst>
+        </dgm:shape>
+        <dgm:presOf axis="desOrSelf" ptType="node"/>
+        <dgm:constrLst>
+          <dgm:constr type="h" refType="w" fact="0.6"/>
+          <dgm:constr type="tMarg" refType="primFontSz" fact="0.3"/>
+          <dgm:constr type="bMarg" refType="primFontSz" fact="0.3"/>
+          <dgm:constr type="lMarg" refType="primFontSz" fact="0.3"/>
+          <dgm:constr type="rMarg" refType="primFontSz" fact="0.3"/>
+        </dgm:constrLst>
+        <dgm:ruleLst>
+          <dgm:rule type="primFontSz" val="18" fact="NaN" max="NaN"/>
+          <dgm:rule type="h" val="NaN" fact="1.5" max="NaN"/>
+          <dgm:rule type="primFontSz" val="5" fact="NaN" max="NaN"/>
+          <dgm:rule type="h" val="INF" fact="NaN" max="NaN"/>
+        </dgm:ruleLst>
+      </dgm:layoutNode>
+      <dgm:forEach name="sibTransForEach" axis="followSib" ptType="sibTrans" cnt="1">
+        <dgm:layoutNode name="sibTrans">
+          <dgm:alg type="conn">
+            <dgm:param type="begPts" val="auto"/>
+            <dgm:param type="endPts" val="auto"/>
+          </dgm:alg>
+          <dgm:shape xmlns:r="http://schemas.openxmlformats.org/officeDocument/2006/relationships" type="conn" r:blip="">
+            <dgm:adjLst/>
+          </dgm:shape>
+          <dgm:presOf axis="self"/>
+          <dgm:constrLst>
+            <dgm:constr type="h" refType="w" fact="0.62"/>
+            <dgm:constr type="connDist"/>
+            <dgm:constr type="begPad" refType="connDist" fact="0.25"/>
+            <dgm:constr type="endPad" refType="connDist" fact="0.22"/>
+          </dgm:constrLst>
+          <dgm:ruleLst/>
+          <dgm:layoutNode name="connectorText">
+            <dgm:alg type="tx">
+              <dgm:param type="autoTxRot" val="grav"/>
+            </dgm:alg>
+            <dgm:shape xmlns:r="http://schemas.openxmlformats.org/officeDocument/2006/relationships" type="conn" r:blip="" hideGeom="1">
+              <dgm:adjLst/>
+            </dgm:shape>
+            <dgm:presOf axis="self"/>
+            <dgm:constrLst>
+              <dgm:constr type="lMarg"/>
+              <dgm:constr type="rMarg"/>
+              <dgm:constr type="tMarg"/>
+              <dgm:constr type="bMarg"/>
+            </dgm:constrLst>
+            <dgm:ruleLst>
+              <dgm:rule type="primFontSz" val="5" fact="NaN" max="NaN"/>
+            </dgm:ruleLst>
+          </dgm:layoutNode>
+        </dgm:layoutNode>
+      </dgm:forEach>
+    </dgm:forEach>
+  </dgm:layoutNode>
+</dgm:layoutDef>
+</file>
+
+<file path=ppt/diagrams/quickStyle1.xml><?xml version="1.0" encoding="utf-8"?>
+<dgm:styleDef xmlns:dgm="http://schemas.openxmlformats.org/drawingml/2006/diagram" xmlns:a="http://schemas.openxmlformats.org/drawingml/2006/main" uniqueId="urn:microsoft.com/office/officeart/2005/8/quickstyle/simple1">
+  <dgm:title val=""/>
+  <dgm:desc val=""/>
+  <dgm:catLst>
+    <dgm:cat type="simple" pri="10100"/>
+  </dgm:catLst>
+  <dgm:scene3d>
+    <a:camera prst="orthographicFront"/>
+    <a:lightRig rig="threePt" dir="t"/>
+  </dgm:scene3d>
+  <dgm:styleLbl name="node0">
+    <dgm:scene3d>
+      <a:camera prst="orthographicFront"/>
+      <a:lightRig rig="threePt" dir="t"/>
+    </dgm:scene3d>
+    <dgm:sp3d/>
+    <dgm:txPr/>
+    <dgm:style>
+      <a:lnRef idx="2">
+        <a:scrgbClr r="0" g="0" b="0"/>
+      </a:lnRef>
+      <a:fillRef idx="1">
+        <a:scrgbClr r="0" g="0" b="0"/>
+      </a:fillRef>
+      <a:effectRef idx="0">
+        <a:scrgbClr r="0" g="0" b="0"/>
+      </a:effectRef>
+      <a:fontRef idx="minor">
+        <a:schemeClr val="lt1"/>
+      </a:fontRef>
+    </dgm:style>
+  </dgm:styleLbl>
+  <dgm:styleLbl name="lnNode1">
+    <dgm:scene3d>
+      <a:camera prst="orthographicFront"/>
+      <a:lightRig rig="threePt" dir="t"/>
+    </dgm:scene3d>
+    <dgm:sp3d/>
+    <dgm:txPr/>
+    <dgm:style>
+      <a:lnRef idx="2">
+        <a:scrgbClr r="0" g="0" b="0"/>
+      </a:lnRef>
+      <a:fillRef idx="1">
+        <a:scrgbClr r="0" g="0" b="0"/>
+      </a:fillRef>
+      <a:effectRef idx="0">
+        <a:scrgbClr r="0" g="0" b="0"/>
+      </a:effectRef>
+      <a:fontRef idx="minor">
+        <a:schemeClr val="lt1"/>
+      </a:fontRef>
+    </dgm:style>
+  </dgm:styleLbl>
+  <dgm:styleLbl name="vennNode1">
+    <dgm:scene3d>
+      <a:camera prst="orthographicFront"/>
+      <a:lightRig rig="threePt" dir="t"/>
+    </dgm:scene3d>
+    <dgm:sp3d/>
+    <dgm:txPr/>
+    <dgm:style>
+      <a:lnRef idx="2">
+        <a:scrgbClr r="0" g="0" b="0"/>
+      </a:lnRef>
+      <a:fillRef idx="1">
+        <a:scrgbClr r="0" g="0" b="0"/>
+      </a:fillRef>
+      <a:effectRef idx="0">
+        <a:scrgbClr r="0" g="0" b="0"/>
+      </a:effectRef>
+      <a:fontRef idx="minor">
+        <a:schemeClr val="tx1"/>
+      </a:fontRef>
+    </dgm:style>
+  </dgm:styleLbl>
+  <dgm:styleLbl name="alignNode1">
+    <dgm:scene3d>
+      <a:camera prst="orthographicFront"/>
+      <a:lightRig rig="threePt" dir="t"/>
+    </dgm:scene3d>
+    <dgm:sp3d/>
+    <dgm:txPr/>
+    <dgm:style>
+      <a:lnRef idx="2">
+        <a:scrgbClr r="0" g="0" b="0"/>
+      </a:lnRef>
+      <a:fillRef idx="1">
+        <a:scrgbClr r="0" g="0" b="0"/>
+      </a:fillRef>
+      <a:effectRef idx="0">
+        <a:scrgbClr r="0" g="0" b="0"/>
+      </a:effectRef>
+      <a:fontRef idx="minor">
+        <a:schemeClr val="lt1"/>
+      </a:fontRef>
+    </dgm:style>
+  </dgm:styleLbl>
+  <dgm:styleLbl name="node1">
+    <dgm:scene3d>
+      <a:camera prst="orthographicFront"/>
+      <a:lightRig rig="threePt" dir="t"/>
+    </dgm:scene3d>
+    <dgm:sp3d/>
+    <dgm:txPr/>
+    <dgm:style>
+      <a:lnRef idx="2">
+        <a:scrgbClr r="0" g="0" b="0"/>
+      </a:lnRef>
+      <a:fillRef idx="1">
+        <a:scrgbClr r="0" g="0" b="0"/>
+      </a:fillRef>
+      <a:effectRef idx="0">
+        <a:scrgbClr r="0" g="0" b="0"/>
+      </a:effectRef>
+      <a:fontRef idx="minor">
+        <a:schemeClr val="lt1"/>
+      </a:fontRef>
+    </dgm:style>
+  </dgm:styleLbl>
+  <dgm:styleLbl name="node2">
+    <dgm:scene3d>
+      <a:camera prst="orthographicFront"/>
+      <a:lightRig rig="threePt" dir="t"/>
+    </dgm:scene3d>
+    <dgm:sp3d/>
+    <dgm:txPr/>
+    <dgm:style>
+      <a:lnRef idx="2">
+        <a:scrgbClr r="0" g="0" b="0"/>
+      </a:lnRef>
+      <a:fillRef idx="1">
+        <a:scrgbClr r="0" g="0" b="0"/>
+      </a:fillRef>
+      <a:effectRef idx="0">
+        <a:scrgbClr r="0" g="0" b="0"/>
+      </a:effectRef>
+      <a:fontRef idx="minor">
+        <a:schemeClr val="lt1"/>
+      </a:fontRef>
+    </dgm:style>
+  </dgm:styleLbl>
+  <dgm:styleLbl name="node3">
+    <dgm:scene3d>
+      <a:camera prst="orthographicFront"/>
+      <a:lightRig rig="threePt" dir="t"/>
+    </dgm:scene3d>
+    <dgm:sp3d/>
+    <dgm:txPr/>
+    <dgm:style>
+      <a:lnRef idx="2">
+        <a:scrgbClr r="0" g="0" b="0"/>
+      </a:lnRef>
+      <a:fillRef idx="1">
+        <a:scrgbClr r="0" g="0" b="0"/>
+      </a:fillRef>
+      <a:effectRef idx="0">
+        <a:scrgbClr r="0" g="0" b="0"/>
+      </a:effectRef>
+      <a:fontRef idx="minor">
+        <a:schemeClr val="lt1"/>
+      </a:fontRef>
+    </dgm:style>
+  </dgm:styleLbl>
+  <dgm:styleLbl name="node4">
+    <dgm:scene3d>
+      <a:camera prst="orthographicFront"/>
+      <a:lightRig rig="threePt" dir="t"/>
+    </dgm:scene3d>
+    <dgm:sp3d/>
+    <dgm:txPr/>
+    <dgm:style>
+      <a:lnRef idx="2">
+        <a:scrgbClr r="0" g="0" b="0"/>
+      </a:lnRef>
+      <a:fillRef idx="1">
+        <a:scrgbClr r="0" g="0" b="0"/>
+      </a:fillRef>
+      <a:effectRef idx="0">
+        <a:scrgbClr r="0" g="0" b="0"/>
+      </a:effectRef>
+      <a:fontRef idx="minor">
+        <a:schemeClr val="lt1"/>
+      </a:fontRef>
+    </dgm:style>
+  </dgm:styleLbl>
+  <dgm:styleLbl name="fgImgPlace1">
+    <dgm:scene3d>
+      <a:camera prst="orthographicFront"/>
+      <a:lightRig rig="threePt" dir="t"/>
+    </dgm:scene3d>
+    <dgm:sp3d/>
+    <dgm:txPr/>
+    <dgm:style>
+      <a:lnRef idx="2">
+        <a:scrgbClr r="0" g="0" b="0"/>
+      </a:lnRef>
+      <a:fillRef idx="1">
+        <a:scrgbClr r="0" g="0" b="0"/>
+      </a:fillRef>
+      <a:effectRef idx="0">
+        <a:scrgbClr r="0" g="0" b="0"/>
+      </a:effectRef>
+      <a:fontRef idx="minor"/>
+    </dgm:style>
+  </dgm:styleLbl>
+  <dgm:styleLbl name="alignImgPlace1">
+    <dgm:scene3d>
+      <a:camera prst="orthographicFront"/>
+      <a:lightRig rig="threePt" dir="t"/>
+    </dgm:scene3d>
+    <dgm:sp3d/>
+    <dgm:txPr/>
+    <dgm:style>
+      <a:lnRef idx="2">
+        <a:scrgbClr r="0" g="0" b="0"/>
+      </a:lnRef>
+      <a:fillRef idx="1">
+        <a:scrgbClr r="0" g="0" b="0"/>
+      </a:fillRef>
+      <a:effectRef idx="0">
+        <a:scrgbClr r="0" g="0" b="0"/>
+      </a:effectRef>
+      <a:fontRef idx="minor"/>
+    </dgm:style>
+  </dgm:styleLbl>
+  <dgm:styleLbl name="bgImgPlace1">
+    <dgm:scene3d>
+      <a:camera prst="orthographicFront"/>
+      <a:lightRig rig="threePt" dir="t"/>
+    </dgm:scene3d>
+    <dgm:sp3d/>
+    <dgm:txPr/>
+    <dgm:style>
+      <a:lnRef idx="2">
+        <a:scrgbClr r="0" g="0" b="0"/>
+      </a:lnRef>
+      <a:fillRef idx="1">
+        <a:scrgbClr r="0" g="0" b="0"/>
+      </a:fillRef>
+      <a:effectRef idx="0">
+        <a:scrgbClr r="0" g="0" b="0"/>
+      </a:effectRef>
+      <a:fontRef idx="minor"/>
+    </dgm:style>
+  </dgm:styleLbl>
+  <dgm:styleLbl name="sibTrans2D1">
+    <dgm:scene3d>
+      <a:camera prst="orthographicFront"/>
+      <a:lightRig rig="threePt" dir="t"/>
+    </dgm:scene3d>
+    <dgm:sp3d/>
+    <dgm:txPr/>
+    <dgm:style>
+      <a:lnRef idx="0">
+        <a:scrgbClr r="0" g="0" b="0"/>
+      </a:lnRef>
+      <a:fillRef idx="1">
+        <a:scrgbClr r="0" g="0" b="0"/>
+      </a:fillRef>
+      <a:effectRef idx="0">
+        <a:scrgbClr r="0" g="0" b="0"/>
+      </a:effectRef>
+      <a:fontRef idx="minor">
+        <a:schemeClr val="lt1"/>
+      </a:fontRef>
+    </dgm:style>
+  </dgm:styleLbl>
+  <dgm:styleLbl name="fgSibTrans2D1">
+    <dgm:scene3d>
+      <a:camera prst="orthographicFront"/>
+      <a:lightRig rig="threePt" dir="t"/>
+    </dgm:scene3d>
+    <dgm:sp3d/>
+    <dgm:txPr/>
+    <dgm:style>
+      <a:lnRef idx="0">
+        <a:scrgbClr r="0" g="0" b="0"/>
+      </a:lnRef>
+      <a:fillRef idx="1">
+        <a:scrgbClr r="0" g="0" b="0"/>
+      </a:fillRef>
+      <a:effectRef idx="0">
+        <a:scrgbClr r="0" g="0" b="0"/>
+      </a:effectRef>
+      <a:fontRef idx="minor">
+        <a:schemeClr val="lt1"/>
+      </a:fontRef>
+    </dgm:style>
+  </dgm:styleLbl>
+  <dgm:styleLbl name="bgSibTrans2D1">
+    <dgm:scene3d>
+      <a:camera prst="orthographicFront"/>
+      <a:lightRig rig="threePt" dir="t"/>
+    </dgm:scene3d>
+    <dgm:sp3d/>
+    <dgm:txPr/>
+    <dgm:style>
+      <a:lnRef idx="0">
+        <a:scrgbClr r="0" g="0" b="0"/>
+      </a:lnRef>
+      <a:fillRef idx="1">
+        <a:scrgbClr r="0" g="0" b="0"/>
+      </a:fillRef>
+      <a:effectRef idx="0">
+        <a:scrgbClr r="0" g="0" b="0"/>
+      </a:effectRef>
+      <a:fontRef idx="minor">
+        <a:schemeClr val="lt1"/>
+      </a:fontRef>
+    </dgm:style>
+  </dgm:styleLbl>
+  <dgm:styleLbl name="sibTrans1D1">
+    <dgm:scene3d>
+      <a:camera prst="orthographicFront"/>
+      <a:lightRig rig="threePt" dir="t"/>
+    </dgm:scene3d>
+    <dgm:sp3d/>
+    <dgm:txPr/>
+    <dgm:style>
+      <a:lnRef idx="1">
+        <a:scrgbClr r="0" g="0" b="0"/>
+      </a:lnRef>
+      <a:fillRef idx="0">
+        <a:scrgbClr r="0" g="0" b="0"/>
+      </a:fillRef>
+      <a:effectRef idx="0">
+        <a:scrgbClr r="0" g="0" b="0"/>
+      </a:effectRef>
+      <a:fontRef idx="minor"/>
+    </dgm:style>
+  </dgm:styleLbl>
+  <dgm:styleLbl name="callout">
+    <dgm:scene3d>
+      <a:camera prst="orthographicFront"/>
+      <a:lightRig rig="threePt" dir="t"/>
+    </dgm:scene3d>
+    <dgm:sp3d/>
+    <dgm:txPr/>
+    <dgm:style>
+      <a:lnRef idx="2">
+        <a:scrgbClr r="0" g="0" b="0"/>
+      </a:lnRef>
+      <a:fillRef idx="1">
+        <a:scrgbClr r="0" g="0" b="0"/>
+      </a:fillRef>
+      <a:effectRef idx="0">
+        <a:scrgbClr r="0" g="0" b="0"/>
+      </a:effectRef>
+      <a:fontRef idx="minor"/>
+    </dgm:style>
+  </dgm:styleLbl>
+  <dgm:styleLbl name="asst0">
+    <dgm:scene3d>
+      <a:camera prst="orthographicFront"/>
+      <a:lightRig rig="threePt" dir="t"/>
+    </dgm:scene3d>
+    <dgm:sp3d/>
+    <dgm:txPr/>
+    <dgm:style>
+      <a:lnRef idx="2">
+        <a:scrgbClr r="0" g="0" b="0"/>
+      </a:lnRef>
+      <a:fillRef idx="1">
+        <a:scrgbClr r="0" g="0" b="0"/>
+      </a:fillRef>
+      <a:effectRef idx="0">
+        <a:scrgbClr r="0" g="0" b="0"/>
+      </a:effectRef>
+      <a:fontRef idx="minor">
+        <a:schemeClr val="lt1"/>
+      </a:fontRef>
+    </dgm:style>
+  </dgm:styleLbl>
+  <dgm:styleLbl name="asst1">
+    <dgm:scene3d>
+      <a:camera prst="orthographicFront"/>
+      <a:lightRig rig="threePt" dir="t"/>
+    </dgm:scene3d>
+    <dgm:sp3d/>
+    <dgm:txPr/>
+    <dgm:style>
+      <a:lnRef idx="2">
+        <a:scrgbClr r="0" g="0" b="0"/>
+      </a:lnRef>
+      <a:fillRef idx="1">
+        <a:scrgbClr r="0" g="0" b="0"/>
+      </a:fillRef>
+      <a:effectRef idx="0">
+        <a:scrgbClr r="0" g="0" b="0"/>
+      </a:effectRef>
+      <a:fontRef idx="minor">
+        <a:schemeClr val="lt1"/>
+      </a:fontRef>
+    </dgm:style>
+  </dgm:styleLbl>
+  <dgm:styleLbl name="asst2">
+    <dgm:scene3d>
+      <a:camera prst="orthographicFront"/>
+      <a:lightRig rig="threePt" dir="t"/>
+    </dgm:scene3d>
+    <dgm:sp3d/>
+    <dgm:txPr/>
+    <dgm:style>
+      <a:lnRef idx="2">
+        <a:scrgbClr r="0" g="0" b="0"/>
+      </a:lnRef>
+      <a:fillRef idx="1">
+        <a:scrgbClr r="0" g="0" b="0"/>
+      </a:fillRef>
+      <a:effectRef idx="0">
+        <a:scrgbClr r="0" g="0" b="0"/>
+      </a:effectRef>
+      <a:fontRef idx="minor">
+        <a:schemeClr val="lt1"/>
+      </a:fontRef>
+    </dgm:style>
+  </dgm:styleLbl>
+  <dgm:styleLbl name="asst3">
+    <dgm:scene3d>
+      <a:camera prst="orthographicFront"/>
+      <a:lightRig rig="threePt" dir="t"/>
+    </dgm:scene3d>
+    <dgm:sp3d/>
+    <dgm:txPr/>
+    <dgm:style>
+      <a:lnRef idx="2">
+        <a:scrgbClr r="0" g="0" b="0"/>
+      </a:lnRef>
+      <a:fillRef idx="1">
+        <a:scrgbClr r="0" g="0" b="0"/>
+      </a:fillRef>
+      <a:effectRef idx="0">
+        <a:scrgbClr r="0" g="0" b="0"/>
+      </a:effectRef>
+      <a:fontRef idx="minor">
+        <a:schemeClr val="lt1"/>
+      </a:fontRef>
+    </dgm:style>
+  </dgm:styleLbl>
+  <dgm:styleLbl name="asst4">
+    <dgm:scene3d>
+      <a:camera prst="orthographicFront"/>
+      <a:lightRig rig="threePt" dir="t"/>
+    </dgm:scene3d>
+    <dgm:sp3d/>
+    <dgm:txPr/>
+    <dgm:style>
+      <a:lnRef idx="2">
+        <a:scrgbClr r="0" g="0" b="0"/>
+      </a:lnRef>
+      <a:fillRef idx="1">
+        <a:scrgbClr r="0" g="0" b="0"/>
+      </a:fillRef>
+      <a:effectRef idx="0">
+        <a:scrgbClr r="0" g="0" b="0"/>
+      </a:effectRef>
+      <a:fontRef idx="minor">
+        <a:schemeClr val="lt1"/>
+      </a:fontRef>
+    </dgm:style>
+  </dgm:styleLbl>
+  <dgm:styleLbl name="parChTrans2D1">
+    <dgm:scene3d>
+      <a:camera prst="orthographicFront"/>
+      <a:lightRig rig="threePt" dir="t"/>
+    </dgm:scene3d>
+    <dgm:sp3d/>
+    <dgm:txPr/>
+    <dgm:style>
+      <a:lnRef idx="2">
+        <a:scrgbClr r="0" g="0" b="0"/>
+      </a:lnRef>
+      <a:fillRef idx="1">
+        <a:scrgbClr r="0" g="0" b="0"/>
+      </a:fillRef>
+      <a:effectRef idx="0">
+        <a:scrgbClr r="0" g="0" b="0"/>
+      </a:effectRef>
+      <a:fontRef idx="minor">
+        <a:schemeClr val="lt1"/>
+      </a:fontRef>
+    </dgm:style>
+  </dgm:styleLbl>
+  <dgm:styleLbl name="parChTrans2D2">
+    <dgm:scene3d>
+      <a:camera prst="orthographicFront"/>
+      <a:lightRig rig="threePt" dir="t"/>
+    </dgm:scene3d>
+    <dgm:sp3d/>
+    <dgm:txPr/>
+    <dgm:style>
+      <a:lnRef idx="2">
+        <a:scrgbClr r="0" g="0" b="0"/>
+      </a:lnRef>
+      <a:fillRef idx="1">
+        <a:scrgbClr r="0" g="0" b="0"/>
+      </a:fillRef>
+      <a:effectRef idx="0">
+        <a:scrgbClr r="0" g="0" b="0"/>
+      </a:effectRef>
+      <a:fontRef idx="minor">
+        <a:schemeClr val="lt1"/>
+      </a:fontRef>
+    </dgm:style>
+  </dgm:styleLbl>
+  <dgm:styleLbl name="parChTrans2D3">
+    <dgm:scene3d>
+      <a:camera prst="orthographicFront"/>
+      <a:lightRig rig="threePt" dir="t"/>
+    </dgm:scene3d>
+    <dgm:sp3d/>
+    <dgm:txPr/>
+    <dgm:style>
+      <a:lnRef idx="2">
+        <a:scrgbClr r="0" g="0" b="0"/>
+      </a:lnRef>
+      <a:fillRef idx="1">
+        <a:scrgbClr r="0" g="0" b="0"/>
+      </a:fillRef>
+      <a:effectRef idx="0">
+        <a:scrgbClr r="0" g="0" b="0"/>
+      </a:effectRef>
+      <a:fontRef idx="minor">
+        <a:schemeClr val="lt1"/>
+      </a:fontRef>
+    </dgm:style>
+  </dgm:styleLbl>
+  <dgm:styleLbl name="parChTrans2D4">
+    <dgm:scene3d>
+      <a:camera prst="orthographicFront"/>
+      <a:lightRig rig="threePt" dir="t"/>
+    </dgm:scene3d>
+    <dgm:sp3d/>
+    <dgm:txPr/>
+    <dgm:style>
+      <a:lnRef idx="2">
+        <a:scrgbClr r="0" g="0" b="0"/>
+      </a:lnRef>
+      <a:fillRef idx="1">
+        <a:scrgbClr r="0" g="0" b="0"/>
+      </a:fillRef>
+      <a:effectRef idx="0">
+        <a:scrgbClr r="0" g="0" b="0"/>
+      </a:effectRef>
+      <a:fontRef idx="minor">
+        <a:schemeClr val="lt1"/>
+      </a:fontRef>
+    </dgm:style>
+  </dgm:styleLbl>
+  <dgm:styleLbl name="parChTrans1D1">
+    <dgm:scene3d>
+      <a:camera prst="orthographicFront"/>
+      <a:lightRig rig="threePt" dir="t"/>
+    </dgm:scene3d>
+    <dgm:sp3d/>
+    <dgm:txPr/>
+    <dgm:style>
+      <a:lnRef idx="2">
+        <a:scrgbClr r="0" g="0" b="0"/>
+      </a:lnRef>
+      <a:fillRef idx="0">
+        <a:scrgbClr r="0" g="0" b="0"/>
+      </a:fillRef>
+      <a:effectRef idx="0">
+        <a:scrgbClr r="0" g="0" b="0"/>
+      </a:effectRef>
+      <a:fontRef idx="minor"/>
+    </dgm:style>
+  </dgm:styleLbl>
+  <dgm:styleLbl name="parChTrans1D2">
+    <dgm:scene3d>
+      <a:camera prst="orthographicFront"/>
+      <a:lightRig rig="threePt" dir="t"/>
+    </dgm:scene3d>
+    <dgm:sp3d/>
+    <dgm:txPr/>
+    <dgm:style>
+      <a:lnRef idx="2">
+        <a:scrgbClr r="0" g="0" b="0"/>
+      </a:lnRef>
+      <a:fillRef idx="0">
+        <a:scrgbClr r="0" g="0" b="0"/>
+      </a:fillRef>
+      <a:effectRef idx="0">
+        <a:scrgbClr r="0" g="0" b="0"/>
+      </a:effectRef>
+      <a:fontRef idx="minor"/>
+    </dgm:style>
+  </dgm:styleLbl>
+  <dgm:styleLbl name="parChTrans1D3">
+    <dgm:scene3d>
+      <a:camera prst="orthographicFront"/>
+      <a:lightRig rig="threePt" dir="t"/>
+    </dgm:scene3d>
+    <dgm:sp3d/>
+    <dgm:txPr/>
+    <dgm:style>
+      <a:lnRef idx="2">
+        <a:scrgbClr r="0" g="0" b="0"/>
+      </a:lnRef>
+      <a:fillRef idx="0">
+        <a:scrgbClr r="0" g="0" b="0"/>
+      </a:fillRef>
+      <a:effectRef idx="0">
+        <a:scrgbClr r="0" g="0" b="0"/>
+      </a:effectRef>
+      <a:fontRef idx="minor"/>
+    </dgm:style>
+  </dgm:styleLbl>
+  <dgm:styleLbl name="parChTrans1D4">
+    <dgm:scene3d>
+      <a:camera prst="orthographicFront"/>
+      <a:lightRig rig="threePt" dir="t"/>
+    </dgm:scene3d>
+    <dgm:sp3d/>
+    <dgm:txPr/>
+    <dgm:style>
+      <a:lnRef idx="2">
+        <a:scrgbClr r="0" g="0" b="0"/>
+      </a:lnRef>
+      <a:fillRef idx="0">
+        <a:scrgbClr r="0" g="0" b="0"/>
+      </a:fillRef>
+      <a:effectRef idx="0">
+        <a:scrgbClr r="0" g="0" b="0"/>
+      </a:effectRef>
+      <a:fontRef idx="minor"/>
+    </dgm:style>
+  </dgm:styleLbl>
+  <dgm:styleLbl name="fgAcc1">
+    <dgm:scene3d>
+      <a:camera prst="orthographicFront"/>
+      <a:lightRig rig="threePt" dir="t"/>
+    </dgm:scene3d>
+    <dgm:sp3d/>
+    <dgm:txPr/>
+    <dgm:style>
+      <a:lnRef idx="2">
+        <a:scrgbClr r="0" g="0" b="0"/>
+      </a:lnRef>
+      <a:fillRef idx="1">
+        <a:scrgbClr r="0" g="0" b="0"/>
+      </a:fillRef>
+      <a:effectRef idx="0">
+        <a:scrgbClr r="0" g="0" b="0"/>
+      </a:effectRef>
+      <a:fontRef idx="minor"/>
+    </dgm:style>
+  </dgm:styleLbl>
+  <dgm:styleLbl name="conFgAcc1">
+    <dgm:scene3d>
+      <a:camera prst="orthographicFront"/>
+      <a:lightRig rig="threePt" dir="t"/>
+    </dgm:scene3d>
+    <dgm:sp3d/>
+    <dgm:txPr/>
+    <dgm:style>
+      <a:lnRef idx="2">
+        <a:scrgbClr r="0" g="0" b="0"/>
+      </a:lnRef>
+      <a:fillRef idx="1">
+        <a:scrgbClr r="0" g="0" b="0"/>
+      </a:fillRef>
+      <a:effectRef idx="0">
+        <a:scrgbClr r="0" g="0" b="0"/>
+      </a:effectRef>
+      <a:fontRef idx="minor"/>
+    </dgm:style>
+  </dgm:styleLbl>
+  <dgm:styleLbl name="alignAcc1">
+    <dgm:scene3d>
+      <a:camera prst="orthographicFront"/>
+      <a:lightRig rig="threePt" dir="t"/>
+    </dgm:scene3d>
+    <dgm:sp3d/>
+    <dgm:txPr/>
+    <dgm:style>
+      <a:lnRef idx="2">
+        <a:scrgbClr r="0" g="0" b="0"/>
+      </a:lnRef>
+      <a:fillRef idx="1">
+        <a:scrgbClr r="0" g="0" b="0"/>
+      </a:fillRef>
+      <a:effectRef idx="0">
+        <a:scrgbClr r="0" g="0" b="0"/>
+      </a:effectRef>
+      <a:fontRef idx="minor"/>
+    </dgm:style>
+  </dgm:styleLbl>
+  <dgm:styleLbl name="trAlignAcc1">
+    <dgm:scene3d>
+      <a:camera prst="orthographicFront"/>
+      <a:lightRig rig="threePt" dir="t"/>
+    </dgm:scene3d>
+    <dgm:sp3d/>
+    <dgm:txPr/>
+    <dgm:style>
+      <a:lnRef idx="1">
+        <a:scrgbClr r="0" g="0" b="0"/>
+      </a:lnRef>
+      <a:fillRef idx="1">
+        <a:scrgbClr r="0" g="0" b="0"/>
+      </a:fillRef>
+      <a:effectRef idx="0">
+        <a:scrgbClr r="0" g="0" b="0"/>
+      </a:effectRef>
+      <a:fontRef idx="minor"/>
+    </dgm:style>
+  </dgm:styleLbl>
+  <dgm:styleLbl name="bgAcc1">
+    <dgm:scene3d>
+      <a:camera prst="orthographicFront"/>
+      <a:lightRig rig="threePt" dir="t"/>
+    </dgm:scene3d>
+    <dgm:sp3d/>
+    <dgm:txPr/>
+    <dgm:style>
+      <a:lnRef idx="2">
+        <a:scrgbClr r="0" g="0" b="0"/>
+      </a:lnRef>
+      <a:fillRef idx="1">
+        <a:scrgbClr r="0" g="0" b="0"/>
+      </a:fillRef>
+      <a:effectRef idx="0">
+        <a:scrgbClr r="0" g="0" b="0"/>
+      </a:effectRef>
+      <a:fontRef idx="minor"/>
+    </dgm:style>
+  </dgm:styleLbl>
+  <dgm:styleLbl name="solidFgAcc1">
+    <dgm:scene3d>
+      <a:camera prst="orthographicFront"/>
+      <a:lightRig rig="threePt" dir="t"/>
+    </dgm:scene3d>
+    <dgm:sp3d/>
+    <dgm:txPr/>
+    <dgm:style>
+      <a:lnRef idx="2">
+        <a:scrgbClr r="0" g="0" b="0"/>
+      </a:lnRef>
+      <a:fillRef idx="1">
+        <a:scrgbClr r="0" g="0" b="0"/>
+      </a:fillRef>
+      <a:effectRef idx="0">
+        <a:scrgbClr r="0" g="0" b="0"/>
+      </a:effectRef>
+      <a:fontRef idx="minor"/>
+    </dgm:style>
+  </dgm:styleLbl>
+  <dgm:styleLbl name="solidAlignAcc1">
+    <dgm:scene3d>
+      <a:camera prst="orthographicFront"/>
+      <a:lightRig rig="threePt" dir="t"/>
+    </dgm:scene3d>
+    <dgm:sp3d/>
+    <dgm:txPr/>
+    <dgm:style>
+      <a:lnRef idx="2">
+        <a:scrgbClr r="0" g="0" b="0"/>
+      </a:lnRef>
+      <a:fillRef idx="1">
+        <a:scrgbClr r="0" g="0" b="0"/>
+      </a:fillRef>
+      <a:effectRef idx="0">
+        <a:scrgbClr r="0" g="0" b="0"/>
+      </a:effectRef>
+      <a:fontRef idx="minor"/>
+    </dgm:style>
+  </dgm:styleLbl>
+  <dgm:styleLbl name="solidBgAcc1">
+    <dgm:scene3d>
+      <a:camera prst="orthographicFront"/>
+      <a:lightRig rig="threePt" dir="t"/>
+    </dgm:scene3d>
+    <dgm:sp3d/>
+    <dgm:txPr/>
+    <dgm:style>
+      <a:lnRef idx="2">
+        <a:scrgbClr r="0" g="0" b="0"/>
+      </a:lnRef>
+      <a:fillRef idx="1">
+        <a:scrgbClr r="0" g="0" b="0"/>
+      </a:fillRef>
+      <a:effectRef idx="0">
+        <a:scrgbClr r="0" g="0" b="0"/>
+      </a:effectRef>
+      <a:fontRef idx="minor"/>
+    </dgm:style>
+  </dgm:styleLbl>
+  <dgm:styleLbl name="fgAccFollowNode1">
+    <dgm:scene3d>
+      <a:camera prst="orthographicFront"/>
+      <a:lightRig rig="threePt" dir="t"/>
+    </dgm:scene3d>
+    <dgm:sp3d/>
+    <dgm:txPr/>
+    <dgm:style>
+      <a:lnRef idx="2">
+        <a:scrgbClr r="0" g="0" b="0"/>
+      </a:lnRef>
+      <a:fillRef idx="1">
+        <a:scrgbClr r="0" g="0" b="0"/>
+      </a:fillRef>
+      <a:effectRef idx="0">
+        <a:scrgbClr r="0" g="0" b="0"/>
+      </a:effectRef>
+      <a:fontRef idx="minor"/>
+    </dgm:style>
+  </dgm:styleLbl>
+  <dgm:styleLbl name="alignAccFollowNode1">
+    <dgm:scene3d>
+      <a:camera prst="orthographicFront"/>
+      <a:lightRig rig="threePt" dir="t"/>
+    </dgm:scene3d>
+    <dgm:sp3d/>
+    <dgm:txPr/>
+    <dgm:style>
+      <a:lnRef idx="2">
+        <a:scrgbClr r="0" g="0" b="0"/>
+      </a:lnRef>
+      <a:fillRef idx="1">
+        <a:scrgbClr r="0" g="0" b="0"/>
+      </a:fillRef>
+      <a:effectRef idx="0">
+        <a:scrgbClr r="0" g="0" b="0"/>
+      </a:effectRef>
+      <a:fontRef idx="minor"/>
+    </dgm:style>
+  </dgm:styleLbl>
+  <dgm:styleLbl name="bgAccFollowNode1">
+    <dgm:scene3d>
+      <a:camera prst="orthographicFront"/>
+      <a:lightRig rig="threePt" dir="t"/>
+    </dgm:scene3d>
+    <dgm:sp3d/>
+    <dgm:txPr/>
+    <dgm:style>
+      <a:lnRef idx="2">
+        <a:scrgbClr r="0" g="0" b="0"/>
+      </a:lnRef>
+      <a:fillRef idx="1">
+        <a:scrgbClr r="0" g="0" b="0"/>
+      </a:fillRef>
+      <a:effectRef idx="0">
+        <a:scrgbClr r="0" g="0" b="0"/>
+      </a:effectRef>
+      <a:fontRef idx="minor"/>
+    </dgm:style>
+  </dgm:styleLbl>
+  <dgm:styleLbl name="fgAcc0">
+    <dgm:scene3d>
+      <a:camera prst="orthographicFront"/>
+      <a:lightRig rig="threePt" dir="t"/>
+    </dgm:scene3d>
+    <dgm:sp3d/>
+    <dgm:txPr/>
+    <dgm:style>
+      <a:lnRef idx="2">
+        <a:scrgbClr r="0" g="0" b="0"/>
+      </a:lnRef>
+      <a:fillRef idx="1">
+        <a:scrgbClr r="0" g="0" b="0"/>
+      </a:fillRef>
+      <a:effectRef idx="0">
+        <a:scrgbClr r="0" g="0" b="0"/>
+      </a:effectRef>
+      <a:fontRef idx="minor"/>
+    </dgm:style>
+  </dgm:styleLbl>
+  <dgm:styleLbl name="fgAcc2">
+    <dgm:scene3d>
+      <a:camera prst="orthographicFront"/>
+      <a:lightRig rig="threePt" dir="t"/>
+    </dgm:scene3d>
+    <dgm:sp3d/>
+    <dgm:txPr/>
+    <dgm:style>
+      <a:lnRef idx="2">
+        <a:scrgbClr r="0" g="0" b="0"/>
+      </a:lnRef>
+      <a:fillRef idx="1">
+        <a:scrgbClr r="0" g="0" b="0"/>
+      </a:fillRef>
+      <a:effectRef idx="0">
+        <a:scrgbClr r="0" g="0" b="0"/>
+      </a:effectRef>
+      <a:fontRef idx="minor"/>
+    </dgm:style>
+  </dgm:styleLbl>
+  <dgm:styleLbl name="fgAcc3">
+    <dgm:scene3d>
+      <a:camera prst="orthographicFront"/>
+      <a:lightRig rig="threePt" dir="t"/>
+    </dgm:scene3d>
+    <dgm:sp3d/>
+    <dgm:txPr/>
+    <dgm:style>
+      <a:lnRef idx="2">
+        <a:scrgbClr r="0" g="0" b="0"/>
+      </a:lnRef>
+      <a:fillRef idx="1">
+        <a:scrgbClr r="0" g="0" b="0"/>
+      </a:fillRef>
+      <a:effectRef idx="0">
+        <a:scrgbClr r="0" g="0" b="0"/>
+      </a:effectRef>
+      <a:fontRef idx="minor"/>
+    </dgm:style>
+  </dgm:styleLbl>
+  <dgm:styleLbl name="fgAcc4">
+    <dgm:scene3d>
+      <a:camera prst="orthographicFront"/>
+      <a:lightRig rig="threePt" dir="t"/>
+    </dgm:scene3d>
+    <dgm:sp3d/>
+    <dgm:txPr/>
+    <dgm:style>
+      <a:lnRef idx="2">
+        <a:scrgbClr r="0" g="0" b="0"/>
+      </a:lnRef>
+      <a:fillRef idx="1">
+        <a:scrgbClr r="0" g="0" b="0"/>
+      </a:fillRef>
+      <a:effectRef idx="0">
+        <a:scrgbClr r="0" g="0" b="0"/>
+      </a:effectRef>
+      <a:fontRef idx="minor"/>
+    </dgm:style>
+  </dgm:styleLbl>
+  <dgm:styleLbl name="bgShp">
+    <dgm:scene3d>
+      <a:camera prst="orthographicFront"/>
+      <a:lightRig rig="threePt" dir="t"/>
+    </dgm:scene3d>
+    <dgm:sp3d/>
+    <dgm:txPr/>
+    <dgm:style>
+      <a:lnRef idx="0">
+        <a:scrgbClr r="0" g="0" b="0"/>
+      </a:lnRef>
+      <a:fillRef idx="1">
+        <a:scrgbClr r="0" g="0" b="0"/>
+      </a:fillRef>
+      <a:effectRef idx="0">
+        <a:scrgbClr r="0" g="0" b="0"/>
+      </a:effectRef>
+      <a:fontRef idx="minor"/>
+    </dgm:style>
+  </dgm:styleLbl>
+  <dgm:styleLbl name="dkBgShp">
+    <dgm:scene3d>
+      <a:camera prst="orthographicFront"/>
+      <a:lightRig rig="threePt" dir="t"/>
+    </dgm:scene3d>
+    <dgm:sp3d/>
+    <dgm:txPr/>
+    <dgm:style>
+      <a:lnRef idx="0">
+        <a:scrgbClr r="0" g="0" b="0"/>
+      </a:lnRef>
+      <a:fillRef idx="1">
+        <a:scrgbClr r="0" g="0" b="0"/>
+      </a:fillRef>
+      <a:effectRef idx="0">
+        <a:scrgbClr r="0" g="0" b="0"/>
+      </a:effectRef>
+      <a:fontRef idx="minor"/>
+    </dgm:style>
+  </dgm:styleLbl>
+  <dgm:styleLbl name="trBgShp">
+    <dgm:scene3d>
+      <a:camera prst="orthographicFront"/>
+      <a:lightRig rig="threePt" dir="t"/>
+    </dgm:scene3d>
+    <dgm:sp3d/>
+    <dgm:txPr/>
+    <dgm:style>
+      <a:lnRef idx="0">
+        <a:scrgbClr r="0" g="0" b="0"/>
+      </a:lnRef>
+      <a:fillRef idx="1">
+        <a:scrgbClr r="0" g="0" b="0"/>
+      </a:fillRef>
+      <a:effectRef idx="0">
+        <a:scrgbClr r="0" g="0" b="0"/>
+      </a:effectRef>
+      <a:fontRef idx="minor"/>
+    </dgm:style>
+  </dgm:styleLbl>
+  <dgm:styleLbl name="fgShp">
+    <dgm:scene3d>
+      <a:camera prst="orthographicFront"/>
+      <a:lightRig rig="threePt" dir="t"/>
+    </dgm:scene3d>
+    <dgm:sp3d/>
+    <dgm:txPr/>
+    <dgm:style>
+      <a:lnRef idx="2">
+        <a:scrgbClr r="0" g="0" b="0"/>
+      </a:lnRef>
+      <a:fillRef idx="1">
+        <a:scrgbClr r="0" g="0" b="0"/>
+      </a:fillRef>
+      <a:effectRef idx="0">
+        <a:scrgbClr r="0" g="0" b="0"/>
+      </a:effectRef>
+      <a:fontRef idx="minor"/>
+    </dgm:style>
+  </dgm:styleLbl>
+  <dgm:styleLbl name="revTx">
+    <dgm:scene3d>
+      <a:camera prst="orthographicFront"/>
+      <a:lightRig rig="threePt" dir="t"/>
+    </dgm:scene3d>
+    <dgm:sp3d/>
+    <dgm:txPr/>
+    <dgm:style>
+      <a:lnRef idx="0">
+        <a:scrgbClr r="0" g="0" b="0"/>
+      </a:lnRef>
+      <a:fillRef idx="0">
+        <a:scrgbClr r="0" g="0" b="0"/>
+      </a:fillRef>
+      <a:effectRef idx="0">
+        <a:scrgbClr r="0" g="0" b="0"/>
+      </a:effectRef>
+      <a:fontRef idx="minor"/>
+    </dgm:style>
+  </dgm:styleLbl>
+</dgm:styleDef>
 </file>
 
 <file path=ppt/slideLayouts/slideLayout1.xml><?xml version="1.0" encoding="utf-8"?>
@@ -290,7 +3251,7 @@
           <a:p>
             <a:fld id="{33578AD8-9FC2-6E4E-94CE-86D9A587C75E}" type="datetimeFigureOut">
               <a:rPr lang="en-US" smtClean="0"/>
-              <a:t>06/10/15</a:t>
+              <a:t>07/10/15</a:t>
             </a:fld>
             <a:endParaRPr lang="en-US"/>
           </a:p>
@@ -460,7 +3421,7 @@
           <a:p>
             <a:fld id="{33578AD8-9FC2-6E4E-94CE-86D9A587C75E}" type="datetimeFigureOut">
               <a:rPr lang="en-US" smtClean="0"/>
-              <a:t>06/10/15</a:t>
+              <a:t>07/10/15</a:t>
             </a:fld>
             <a:endParaRPr lang="en-US"/>
           </a:p>
@@ -640,7 +3601,7 @@
           <a:p>
             <a:fld id="{33578AD8-9FC2-6E4E-94CE-86D9A587C75E}" type="datetimeFigureOut">
               <a:rPr lang="en-US" smtClean="0"/>
-              <a:t>06/10/15</a:t>
+              <a:t>07/10/15</a:t>
             </a:fld>
             <a:endParaRPr lang="en-US"/>
           </a:p>
@@ -692,6 +3653,124 @@
     <p:extLst>
       <p:ext uri="{BB962C8B-B14F-4D97-AF65-F5344CB8AC3E}">
         <p14:creationId xmlns:p14="http://schemas.microsoft.com/office/powerpoint/2010/main" val="3759406583"/>
+      </p:ext>
+    </p:extLst>
+  </p:cSld>
+  <p:clrMapOvr>
+    <a:masterClrMapping/>
+  </p:clrMapOvr>
+</p:sldLayout>
+</file>
+
+<file path=ppt/slideLayouts/slideLayout12.xml><?xml version="1.0" encoding="utf-8"?>
+<p:sldLayout xmlns:a="http://schemas.openxmlformats.org/drawingml/2006/main" xmlns:r="http://schemas.openxmlformats.org/officeDocument/2006/relationships" xmlns:p="http://schemas.openxmlformats.org/presentationml/2006/main" userDrawn="1">
+  <p:cSld name="1_Title and Content">
+    <p:spTree>
+      <p:nvGrpSpPr>
+        <p:cNvPr id="1" name=""/>
+        <p:cNvGrpSpPr/>
+        <p:nvPr/>
+      </p:nvGrpSpPr>
+      <p:grpSpPr>
+        <a:xfrm>
+          <a:off x="0" y="0"/>
+          <a:ext cx="0" cy="0"/>
+          <a:chOff x="0" y="0"/>
+          <a:chExt cx="0" cy="0"/>
+        </a:xfrm>
+      </p:grpSpPr>
+      <p:sp>
+        <p:nvSpPr>
+          <p:cNvPr id="2" name="Title 1"/>
+          <p:cNvSpPr>
+            <a:spLocks noGrp="1"/>
+          </p:cNvSpPr>
+          <p:nvPr>
+            <p:ph type="title"/>
+          </p:nvPr>
+        </p:nvSpPr>
+        <p:spPr/>
+        <p:txBody>
+          <a:bodyPr/>
+          <a:lstStyle/>
+          <a:p>
+            <a:r>
+              <a:rPr lang="nb-NO" smtClean="0"/>
+              <a:t>Click to edit Master title style</a:t>
+            </a:r>
+            <a:endParaRPr lang="en-US"/>
+          </a:p>
+        </p:txBody>
+      </p:sp>
+      <p:sp>
+        <p:nvSpPr>
+          <p:cNvPr id="4" name="Date Placeholder 3"/>
+          <p:cNvSpPr>
+            <a:spLocks noGrp="1"/>
+          </p:cNvSpPr>
+          <p:nvPr>
+            <p:ph type="dt" sz="half" idx="10"/>
+          </p:nvPr>
+        </p:nvSpPr>
+        <p:spPr/>
+        <p:txBody>
+          <a:bodyPr/>
+          <a:lstStyle/>
+          <a:p>
+            <a:fld id="{5067CC8B-CF79-4142-AD60-196828C35C8D}" type="datetimeFigureOut">
+              <a:rPr lang="en-US" smtClean="0"/>
+              <a:t>07/10/15</a:t>
+            </a:fld>
+            <a:endParaRPr lang="en-US"/>
+          </a:p>
+        </p:txBody>
+      </p:sp>
+      <p:sp>
+        <p:nvSpPr>
+          <p:cNvPr id="5" name="Footer Placeholder 4"/>
+          <p:cNvSpPr>
+            <a:spLocks noGrp="1"/>
+          </p:cNvSpPr>
+          <p:nvPr>
+            <p:ph type="ftr" sz="quarter" idx="11"/>
+          </p:nvPr>
+        </p:nvSpPr>
+        <p:spPr/>
+        <p:txBody>
+          <a:bodyPr/>
+          <a:lstStyle/>
+          <a:p>
+            <a:endParaRPr lang="en-US"/>
+          </a:p>
+        </p:txBody>
+      </p:sp>
+      <p:sp>
+        <p:nvSpPr>
+          <p:cNvPr id="6" name="Slide Number Placeholder 5"/>
+          <p:cNvSpPr>
+            <a:spLocks noGrp="1"/>
+          </p:cNvSpPr>
+          <p:nvPr>
+            <p:ph type="sldNum" sz="quarter" idx="12"/>
+          </p:nvPr>
+        </p:nvSpPr>
+        <p:spPr/>
+        <p:txBody>
+          <a:bodyPr/>
+          <a:lstStyle/>
+          <a:p>
+            <a:fld id="{66C57273-CF56-D14D-A4EF-6D091E088A91}" type="slidenum">
+              <a:rPr lang="en-US" smtClean="0"/>
+              <a:t>‹#›</a:t>
+            </a:fld>
+            <a:endParaRPr lang="en-US"/>
+          </a:p>
+        </p:txBody>
+      </p:sp>
+    </p:spTree>
+    <p:extLst>
+      <p:ext uri="{BB962C8B-B14F-4D97-AF65-F5344CB8AC3E}">
+        <p14:creationId xmlns:p14="http://schemas.microsoft.com/office/powerpoint/2010/main" val="45237526"/>
       </p:ext>
     </p:extLst>
   </p:cSld>
@@ -810,7 +3889,7 @@
           <a:p>
             <a:fld id="{33578AD8-9FC2-6E4E-94CE-86D9A587C75E}" type="datetimeFigureOut">
               <a:rPr lang="en-US" smtClean="0"/>
-              <a:t>06/10/15</a:t>
+              <a:t>07/10/15</a:t>
             </a:fld>
             <a:endParaRPr lang="en-US"/>
           </a:p>
@@ -1056,7 +4135,7 @@
           <a:p>
             <a:fld id="{33578AD8-9FC2-6E4E-94CE-86D9A587C75E}" type="datetimeFigureOut">
               <a:rPr lang="en-US" smtClean="0"/>
-              <a:t>06/10/15</a:t>
+              <a:t>07/10/15</a:t>
             </a:fld>
             <a:endParaRPr lang="en-US"/>
           </a:p>
@@ -1344,7 +4423,7 @@
           <a:p>
             <a:fld id="{33578AD8-9FC2-6E4E-94CE-86D9A587C75E}" type="datetimeFigureOut">
               <a:rPr lang="en-US" smtClean="0"/>
-              <a:t>06/10/15</a:t>
+              <a:t>07/10/15</a:t>
             </a:fld>
             <a:endParaRPr lang="en-US"/>
           </a:p>
@@ -1766,7 +4845,7 @@
           <a:p>
             <a:fld id="{33578AD8-9FC2-6E4E-94CE-86D9A587C75E}" type="datetimeFigureOut">
               <a:rPr lang="en-US" smtClean="0"/>
-              <a:t>06/10/15</a:t>
+              <a:t>07/10/15</a:t>
             </a:fld>
             <a:endParaRPr lang="en-US"/>
           </a:p>
@@ -1884,7 +4963,7 @@
           <a:p>
             <a:fld id="{33578AD8-9FC2-6E4E-94CE-86D9A587C75E}" type="datetimeFigureOut">
               <a:rPr lang="en-US" smtClean="0"/>
-              <a:t>06/10/15</a:t>
+              <a:t>07/10/15</a:t>
             </a:fld>
             <a:endParaRPr lang="en-US"/>
           </a:p>
@@ -1979,7 +5058,7 @@
           <a:p>
             <a:fld id="{33578AD8-9FC2-6E4E-94CE-86D9A587C75E}" type="datetimeFigureOut">
               <a:rPr lang="en-US" smtClean="0"/>
-              <a:t>06/10/15</a:t>
+              <a:t>07/10/15</a:t>
             </a:fld>
             <a:endParaRPr lang="en-US"/>
           </a:p>
@@ -2256,7 +5335,7 @@
           <a:p>
             <a:fld id="{33578AD8-9FC2-6E4E-94CE-86D9A587C75E}" type="datetimeFigureOut">
               <a:rPr lang="en-US" smtClean="0"/>
-              <a:t>06/10/15</a:t>
+              <a:t>07/10/15</a:t>
             </a:fld>
             <a:endParaRPr lang="en-US"/>
           </a:p>
@@ -2509,7 +5588,7 @@
           <a:p>
             <a:fld id="{33578AD8-9FC2-6E4E-94CE-86D9A587C75E}" type="datetimeFigureOut">
               <a:rPr lang="en-US" smtClean="0"/>
-              <a:t>06/10/15</a:t>
+              <a:t>07/10/15</a:t>
             </a:fld>
             <a:endParaRPr lang="en-US"/>
           </a:p>
@@ -2722,7 +5801,7 @@
           <a:p>
             <a:fld id="{33578AD8-9FC2-6E4E-94CE-86D9A587C75E}" type="datetimeFigureOut">
               <a:rPr lang="en-US" smtClean="0"/>
-              <a:t>06/10/15</a:t>
+              <a:t>07/10/15</a:t>
             </a:fld>
             <a:endParaRPr lang="en-US"/>
           </a:p>
@@ -2826,6 +5905,7 @@
     <p:sldLayoutId id="2147483657" r:id="rId9"/>
     <p:sldLayoutId id="2147483658" r:id="rId10"/>
     <p:sldLayoutId id="2147483659" r:id="rId11"/>
+    <p:sldLayoutId id="2147483660" r:id="rId12"/>
   </p:sldLayoutIdLst>
   <p:txStyles>
     <p:titleStyle>
@@ -3207,7 +6287,52 @@
           <a:bodyPr/>
           <a:lstStyle/>
           <a:p>
-            <a:endParaRPr lang="en-US"/>
+            <a:r>
+              <a:rPr lang="en-US" dirty="0" smtClean="0"/>
+              <a:t>Principles of genome assembly</a:t>
+            </a:r>
+          </a:p>
+          <a:p>
+            <a:r>
+              <a:rPr lang="en-US" dirty="0" smtClean="0"/>
+              <a:t>Running a few different programs</a:t>
+            </a:r>
+          </a:p>
+          <a:p>
+            <a:r>
+              <a:rPr lang="en-US" dirty="0" smtClean="0"/>
+              <a:t>Look at the effect of choice of program and dataset</a:t>
+            </a:r>
+          </a:p>
+          <a:p>
+            <a:r>
+              <a:rPr lang="en-US" dirty="0" smtClean="0"/>
+              <a:t>Evaluating assemblies</a:t>
+            </a:r>
+          </a:p>
+          <a:p>
+            <a:pPr lvl="1"/>
+            <a:r>
+              <a:rPr lang="en-US" dirty="0" smtClean="0"/>
+              <a:t>Without a reference</a:t>
+            </a:r>
+          </a:p>
+          <a:p>
+            <a:pPr lvl="1"/>
+            <a:r>
+              <a:rPr lang="en-US" dirty="0" smtClean="0"/>
+              <a:t>With a reference</a:t>
+            </a:r>
+          </a:p>
+          <a:p>
+            <a:r>
+              <a:rPr lang="en-US" dirty="0" err="1" smtClean="0"/>
+              <a:t>Visualising</a:t>
+            </a:r>
+            <a:r>
+              <a:rPr lang="en-US" dirty="0" smtClean="0"/>
+              <a:t> assemblies</a:t>
+            </a:r>
           </a:p>
         </p:txBody>
       </p:sp>
@@ -3258,13 +6383,9 @@
           <a:p>
             <a:r>
               <a:rPr lang="en-US" dirty="0" smtClean="0"/>
-              <a:t>How are you going to </a:t>
-            </a:r>
-            <a:r>
-              <a:rPr lang="en-US" smtClean="0"/>
-              <a:t>learn it</a:t>
-            </a:r>
-            <a:endParaRPr lang="en-US"/>
+              <a:t>Learning goals</a:t>
+            </a:r>
+            <a:endParaRPr lang="en-US" dirty="0"/>
           </a:p>
         </p:txBody>
       </p:sp>
@@ -3280,13 +6401,1399 @@
         </p:nvSpPr>
         <p:spPr/>
         <p:txBody>
+          <a:bodyPr>
+            <a:normAutofit lnSpcReduction="10000"/>
+          </a:bodyPr>
+          <a:lstStyle/>
+          <a:p>
+            <a:r>
+              <a:rPr lang="en-US" dirty="0" smtClean="0"/>
+              <a:t>Understand basic principles of genome assembly</a:t>
+            </a:r>
+          </a:p>
+          <a:p>
+            <a:r>
+              <a:rPr lang="en-US" dirty="0" smtClean="0"/>
+              <a:t>Be able to run assemblies using a small variety of programs and dataset</a:t>
+            </a:r>
+          </a:p>
+          <a:p>
+            <a:r>
+              <a:rPr lang="en-US" dirty="0" smtClean="0"/>
+              <a:t>Be able to evaluate assemblies and compare them</a:t>
+            </a:r>
+          </a:p>
+          <a:p>
+            <a:r>
+              <a:rPr lang="en-US" dirty="0" smtClean="0"/>
+              <a:t>Be able to explain how different types of sequence data influence assembly results and why</a:t>
+            </a:r>
+          </a:p>
+          <a:p>
+            <a:endParaRPr lang="en-US" dirty="0" smtClean="0"/>
+          </a:p>
+          <a:p>
+            <a:endParaRPr lang="en-US" dirty="0" smtClean="0"/>
+          </a:p>
+          <a:p>
+            <a:endParaRPr lang="en-US" dirty="0"/>
+          </a:p>
+        </p:txBody>
+      </p:sp>
+    </p:spTree>
+    <p:extLst>
+      <p:ext uri="{BB962C8B-B14F-4D97-AF65-F5344CB8AC3E}">
+        <p14:creationId xmlns:p14="http://schemas.microsoft.com/office/powerpoint/2010/main" val="3185751925"/>
+      </p:ext>
+    </p:extLst>
+  </p:cSld>
+  <p:clrMapOvr>
+    <a:masterClrMapping/>
+  </p:clrMapOvr>
+  <p:timing>
+    <p:tnLst>
+      <p:par>
+        <p:cTn xmlns:p14="http://schemas.microsoft.com/office/powerpoint/2010/main" id="1" dur="indefinite" restart="never" nodeType="tmRoot"/>
+      </p:par>
+    </p:tnLst>
+  </p:timing>
+</p:sld>
+</file>
+
+<file path=ppt/slides/slide4.xml><?xml version="1.0" encoding="utf-8"?>
+<p:sld xmlns:a="http://schemas.openxmlformats.org/drawingml/2006/main" xmlns:r="http://schemas.openxmlformats.org/officeDocument/2006/relationships" xmlns:p="http://schemas.openxmlformats.org/presentationml/2006/main">
+  <p:cSld>
+    <p:spTree>
+      <p:nvGrpSpPr>
+        <p:cNvPr id="1" name=""/>
+        <p:cNvGrpSpPr/>
+        <p:nvPr/>
+      </p:nvGrpSpPr>
+      <p:grpSpPr>
+        <a:xfrm>
+          <a:off x="0" y="0"/>
+          <a:ext cx="0" cy="0"/>
+          <a:chOff x="0" y="0"/>
+          <a:chExt cx="0" cy="0"/>
+        </a:xfrm>
+      </p:grpSpPr>
+      <p:sp>
+        <p:nvSpPr>
+          <p:cNvPr id="2" name="Title 1"/>
+          <p:cNvSpPr>
+            <a:spLocks noGrp="1"/>
+          </p:cNvSpPr>
+          <p:nvPr>
+            <p:ph type="title"/>
+          </p:nvPr>
+        </p:nvSpPr>
+        <p:spPr/>
+        <p:txBody>
           <a:bodyPr/>
           <a:lstStyle/>
           <a:p>
-            <a:endParaRPr lang="en-US"/>
+            <a:r>
+              <a:rPr lang="en-US" dirty="0" smtClean="0"/>
+              <a:t>Sample to genome</a:t>
+            </a:r>
+            <a:endParaRPr lang="en-US" dirty="0"/>
           </a:p>
         </p:txBody>
       </p:sp>
+      <p:graphicFrame>
+        <p:nvGraphicFramePr>
+          <p:cNvPr id="3" name="Diagram 2"/>
+          <p:cNvGraphicFramePr/>
+          <p:nvPr>
+            <p:extLst>
+              <p:ext uri="{D42A27DB-BD31-4B8C-83A1-F6EECF244321}">
+                <p14:modId xmlns:p14="http://schemas.microsoft.com/office/powerpoint/2010/main" val="3070985914"/>
+              </p:ext>
+            </p:extLst>
+          </p:nvPr>
+        </p:nvGraphicFramePr>
+        <p:xfrm>
+          <a:off x="457199" y="1397000"/>
+          <a:ext cx="7857161" cy="4064000"/>
+        </p:xfrm>
+        <a:graphic>
+          <a:graphicData uri="http://schemas.openxmlformats.org/drawingml/2006/diagram">
+            <dgm:relIds xmlns:dgm="http://schemas.openxmlformats.org/drawingml/2006/diagram" xmlns:r="http://schemas.openxmlformats.org/officeDocument/2006/relationships" r:dm="rId2" r:lo="rId3" r:qs="rId4" r:cs="rId5"/>
+          </a:graphicData>
+        </a:graphic>
+      </p:graphicFrame>
+      <p:sp>
+        <p:nvSpPr>
+          <p:cNvPr id="4" name="Rectangle 3"/>
+          <p:cNvSpPr/>
+          <p:nvPr/>
+        </p:nvSpPr>
+        <p:spPr>
+          <a:xfrm>
+            <a:off x="3531960" y="1569398"/>
+            <a:ext cx="1715432" cy="461665"/>
+          </a:xfrm>
+          <a:prstGeom prst="rect">
+            <a:avLst/>
+          </a:prstGeom>
+        </p:spPr>
+        <p:txBody>
+          <a:bodyPr wrap="square">
+            <a:spAutoFit/>
+          </a:bodyPr>
+          <a:lstStyle/>
+          <a:p>
+            <a:pPr algn="ctr"/>
+            <a:r>
+              <a:rPr lang="en-US" sz="2400" b="1" dirty="0" smtClean="0"/>
+              <a:t>Sequencing</a:t>
+            </a:r>
+            <a:endParaRPr lang="en-US" sz="2400" b="1" dirty="0"/>
+          </a:p>
+        </p:txBody>
+      </p:sp>
+      <p:cxnSp>
+        <p:nvCxnSpPr>
+          <p:cNvPr id="6" name="Straight Arrow Connector 5"/>
+          <p:cNvCxnSpPr/>
+          <p:nvPr/>
+        </p:nvCxnSpPr>
+        <p:spPr>
+          <a:xfrm>
+            <a:off x="4372826" y="2036881"/>
+            <a:ext cx="0" cy="826735"/>
+          </a:xfrm>
+          <a:prstGeom prst="straightConnector1">
+            <a:avLst/>
+          </a:prstGeom>
+          <a:ln w="38100" cmpd="sng">
+            <a:tailEnd type="arrow"/>
+          </a:ln>
+        </p:spPr>
+        <p:style>
+          <a:lnRef idx="2">
+            <a:schemeClr val="accent1"/>
+          </a:lnRef>
+          <a:fillRef idx="0">
+            <a:schemeClr val="accent1"/>
+          </a:fillRef>
+          <a:effectRef idx="1">
+            <a:schemeClr val="accent1"/>
+          </a:effectRef>
+          <a:fontRef idx="minor">
+            <a:schemeClr val="tx1"/>
+          </a:fontRef>
+        </p:style>
+      </p:cxnSp>
+      <p:sp>
+        <p:nvSpPr>
+          <p:cNvPr id="7" name="Rectangle 6"/>
+          <p:cNvSpPr/>
+          <p:nvPr/>
+        </p:nvSpPr>
+        <p:spPr>
+          <a:xfrm>
+            <a:off x="5784263" y="1569398"/>
+            <a:ext cx="1499790" cy="461665"/>
+          </a:xfrm>
+          <a:prstGeom prst="rect">
+            <a:avLst/>
+          </a:prstGeom>
+        </p:spPr>
+        <p:txBody>
+          <a:bodyPr wrap="square">
+            <a:spAutoFit/>
+          </a:bodyPr>
+          <a:lstStyle/>
+          <a:p>
+            <a:pPr algn="ctr"/>
+            <a:r>
+              <a:rPr lang="en-US" sz="2400" b="1" dirty="0" smtClean="0"/>
+              <a:t>Assembly</a:t>
+            </a:r>
+            <a:endParaRPr lang="en-US" sz="2400" b="1" dirty="0"/>
+          </a:p>
+        </p:txBody>
+      </p:sp>
+      <p:cxnSp>
+        <p:nvCxnSpPr>
+          <p:cNvPr id="8" name="Straight Arrow Connector 7"/>
+          <p:cNvCxnSpPr/>
+          <p:nvPr/>
+        </p:nvCxnSpPr>
+        <p:spPr>
+          <a:xfrm>
+            <a:off x="6517308" y="2036881"/>
+            <a:ext cx="0" cy="826735"/>
+          </a:xfrm>
+          <a:prstGeom prst="straightConnector1">
+            <a:avLst/>
+          </a:prstGeom>
+          <a:ln w="38100" cmpd="sng">
+            <a:tailEnd type="arrow"/>
+          </a:ln>
+        </p:spPr>
+        <p:style>
+          <a:lnRef idx="2">
+            <a:schemeClr val="accent1"/>
+          </a:lnRef>
+          <a:fillRef idx="0">
+            <a:schemeClr val="accent1"/>
+          </a:fillRef>
+          <a:effectRef idx="1">
+            <a:schemeClr val="accent1"/>
+          </a:effectRef>
+          <a:fontRef idx="minor">
+            <a:schemeClr val="tx1"/>
+          </a:fontRef>
+        </p:style>
+      </p:cxnSp>
+      <p:sp>
+        <p:nvSpPr>
+          <p:cNvPr id="9" name="Rectangle 8"/>
+          <p:cNvSpPr/>
+          <p:nvPr/>
+        </p:nvSpPr>
+        <p:spPr>
+          <a:xfrm>
+            <a:off x="1174074" y="1569398"/>
+            <a:ext cx="2118280" cy="461665"/>
+          </a:xfrm>
+          <a:prstGeom prst="rect">
+            <a:avLst/>
+          </a:prstGeom>
+        </p:spPr>
+        <p:txBody>
+          <a:bodyPr wrap="square">
+            <a:spAutoFit/>
+          </a:bodyPr>
+          <a:lstStyle/>
+          <a:p>
+            <a:pPr algn="ctr"/>
+            <a:r>
+              <a:rPr lang="en-US" sz="2400" b="1" dirty="0" smtClean="0"/>
+              <a:t>DNA isolation</a:t>
+            </a:r>
+            <a:endParaRPr lang="en-US" sz="2400" b="1" dirty="0"/>
+          </a:p>
+        </p:txBody>
+      </p:sp>
+      <p:cxnSp>
+        <p:nvCxnSpPr>
+          <p:cNvPr id="10" name="Straight Arrow Connector 9"/>
+          <p:cNvCxnSpPr/>
+          <p:nvPr/>
+        </p:nvCxnSpPr>
+        <p:spPr>
+          <a:xfrm>
+            <a:off x="2216364" y="2036881"/>
+            <a:ext cx="0" cy="826735"/>
+          </a:xfrm>
+          <a:prstGeom prst="straightConnector1">
+            <a:avLst/>
+          </a:prstGeom>
+          <a:ln w="38100" cmpd="sng">
+            <a:tailEnd type="arrow"/>
+          </a:ln>
+        </p:spPr>
+        <p:style>
+          <a:lnRef idx="2">
+            <a:schemeClr val="accent1"/>
+          </a:lnRef>
+          <a:fillRef idx="0">
+            <a:schemeClr val="accent1"/>
+          </a:fillRef>
+          <a:effectRef idx="1">
+            <a:schemeClr val="accent1"/>
+          </a:effectRef>
+          <a:fontRef idx="minor">
+            <a:schemeClr val="tx1"/>
+          </a:fontRef>
+        </p:style>
+      </p:cxnSp>
+    </p:spTree>
+    <p:extLst>
+      <p:ext uri="{BB962C8B-B14F-4D97-AF65-F5344CB8AC3E}">
+        <p14:creationId xmlns:p14="http://schemas.microsoft.com/office/powerpoint/2010/main" val="3833635642"/>
+      </p:ext>
+    </p:extLst>
+  </p:cSld>
+  <p:clrMapOvr>
+    <a:masterClrMapping/>
+  </p:clrMapOvr>
+  <p:timing>
+    <p:tnLst>
+      <p:par>
+        <p:cTn xmlns:p14="http://schemas.microsoft.com/office/powerpoint/2010/main" id="1" dur="indefinite" restart="never" nodeType="tmRoot"/>
+      </p:par>
+    </p:tnLst>
+  </p:timing>
+</p:sld>
+</file>
+
+<file path=ppt/slides/slide5.xml><?xml version="1.0" encoding="utf-8"?>
+<p:sld xmlns:a="http://schemas.openxmlformats.org/drawingml/2006/main" xmlns:r="http://schemas.openxmlformats.org/officeDocument/2006/relationships" xmlns:p="http://schemas.openxmlformats.org/presentationml/2006/main">
+  <p:cSld>
+    <p:spTree>
+      <p:nvGrpSpPr>
+        <p:cNvPr id="1" name=""/>
+        <p:cNvGrpSpPr/>
+        <p:nvPr/>
+      </p:nvGrpSpPr>
+      <p:grpSpPr>
+        <a:xfrm>
+          <a:off x="0" y="0"/>
+          <a:ext cx="0" cy="0"/>
+          <a:chOff x="0" y="0"/>
+          <a:chExt cx="0" cy="0"/>
+        </a:xfrm>
+      </p:grpSpPr>
+      <p:sp>
+        <p:nvSpPr>
+          <p:cNvPr id="2" name="Title 1"/>
+          <p:cNvSpPr>
+            <a:spLocks noGrp="1"/>
+          </p:cNvSpPr>
+          <p:nvPr>
+            <p:ph type="title"/>
+          </p:nvPr>
+        </p:nvSpPr>
+        <p:spPr/>
+        <p:txBody>
+          <a:bodyPr/>
+          <a:lstStyle/>
+          <a:p>
+            <a:r>
+              <a:rPr lang="en-US" dirty="0" smtClean="0"/>
+              <a:t>How are you going to learn it</a:t>
+            </a:r>
+            <a:endParaRPr lang="en-US" dirty="0"/>
+          </a:p>
+        </p:txBody>
+      </p:sp>
+      <p:sp>
+        <p:nvSpPr>
+          <p:cNvPr id="17" name="Rounded Rectangle 16"/>
+          <p:cNvSpPr/>
+          <p:nvPr/>
+        </p:nvSpPr>
+        <p:spPr>
+          <a:xfrm>
+            <a:off x="2098803" y="1914537"/>
+            <a:ext cx="2140210" cy="338407"/>
+          </a:xfrm>
+          <a:prstGeom prst="roundRect">
+            <a:avLst/>
+          </a:prstGeom>
+        </p:spPr>
+        <p:style>
+          <a:lnRef idx="2">
+            <a:schemeClr val="accent2">
+              <a:shade val="50000"/>
+            </a:schemeClr>
+          </a:lnRef>
+          <a:fillRef idx="1">
+            <a:schemeClr val="accent2"/>
+          </a:fillRef>
+          <a:effectRef idx="0">
+            <a:schemeClr val="accent2"/>
+          </a:effectRef>
+          <a:fontRef idx="minor">
+            <a:schemeClr val="lt1"/>
+          </a:fontRef>
+        </p:style>
+        <p:txBody>
+          <a:bodyPr rtlCol="0" anchor="ctr"/>
+          <a:lstStyle/>
+          <a:p>
+            <a:pPr algn="ctr"/>
+            <a:r>
+              <a:rPr lang="en-US" dirty="0" smtClean="0"/>
+              <a:t>Assembly metrics</a:t>
+            </a:r>
+            <a:endParaRPr lang="en-US" dirty="0"/>
+          </a:p>
+        </p:txBody>
+      </p:sp>
+      <p:sp>
+        <p:nvSpPr>
+          <p:cNvPr id="22" name="Rectangle 21"/>
+          <p:cNvSpPr/>
+          <p:nvPr/>
+        </p:nvSpPr>
+        <p:spPr>
+          <a:xfrm>
+            <a:off x="127840" y="2763953"/>
+            <a:ext cx="1077893" cy="1153341"/>
+          </a:xfrm>
+          <a:prstGeom prst="rect">
+            <a:avLst/>
+          </a:prstGeom>
+        </p:spPr>
+        <p:style>
+          <a:lnRef idx="1">
+            <a:schemeClr val="accent1"/>
+          </a:lnRef>
+          <a:fillRef idx="3">
+            <a:schemeClr val="accent1"/>
+          </a:fillRef>
+          <a:effectRef idx="2">
+            <a:schemeClr val="accent1"/>
+          </a:effectRef>
+          <a:fontRef idx="minor">
+            <a:schemeClr val="lt1"/>
+          </a:fontRef>
+        </p:style>
+        <p:txBody>
+          <a:bodyPr rtlCol="0" anchor="ctr"/>
+          <a:lstStyle/>
+          <a:p>
+            <a:pPr algn="ctr"/>
+            <a:r>
+              <a:rPr lang="en-US" dirty="0" err="1" smtClean="0"/>
+              <a:t>Illumina</a:t>
+            </a:r>
+            <a:r>
+              <a:rPr lang="en-US" dirty="0" smtClean="0"/>
+              <a:t> paired end</a:t>
+            </a:r>
+          </a:p>
+        </p:txBody>
+      </p:sp>
+      <p:sp>
+        <p:nvSpPr>
+          <p:cNvPr id="23" name="Rounded Rectangle 22"/>
+          <p:cNvSpPr/>
+          <p:nvPr/>
+        </p:nvSpPr>
+        <p:spPr>
+          <a:xfrm>
+            <a:off x="1205733" y="2953743"/>
+            <a:ext cx="1164066" cy="773760"/>
+          </a:xfrm>
+          <a:prstGeom prst="roundRect">
+            <a:avLst/>
+          </a:prstGeom>
+        </p:spPr>
+        <p:style>
+          <a:lnRef idx="0">
+            <a:schemeClr val="dk1"/>
+          </a:lnRef>
+          <a:fillRef idx="3">
+            <a:schemeClr val="dk1"/>
+          </a:fillRef>
+          <a:effectRef idx="3">
+            <a:schemeClr val="dk1"/>
+          </a:effectRef>
+          <a:fontRef idx="minor">
+            <a:schemeClr val="lt1"/>
+          </a:fontRef>
+        </p:style>
+        <p:txBody>
+          <a:bodyPr rtlCol="0" anchor="ctr"/>
+          <a:lstStyle/>
+          <a:p>
+            <a:pPr algn="ctr"/>
+            <a:r>
+              <a:rPr lang="en-US" dirty="0" smtClean="0"/>
+              <a:t>Assembly</a:t>
+            </a:r>
+            <a:endParaRPr lang="en-US" dirty="0"/>
+          </a:p>
+        </p:txBody>
+      </p:sp>
+      <p:sp>
+        <p:nvSpPr>
+          <p:cNvPr id="24" name="Rectangle 23"/>
+          <p:cNvSpPr/>
+          <p:nvPr/>
+        </p:nvSpPr>
+        <p:spPr>
+          <a:xfrm>
+            <a:off x="2570994" y="2763953"/>
+            <a:ext cx="861298" cy="1153341"/>
+          </a:xfrm>
+          <a:prstGeom prst="rect">
+            <a:avLst/>
+          </a:prstGeom>
+        </p:spPr>
+        <p:style>
+          <a:lnRef idx="1">
+            <a:schemeClr val="accent1"/>
+          </a:lnRef>
+          <a:fillRef idx="3">
+            <a:schemeClr val="accent1"/>
+          </a:fillRef>
+          <a:effectRef idx="2">
+            <a:schemeClr val="accent1"/>
+          </a:effectRef>
+          <a:fontRef idx="minor">
+            <a:schemeClr val="lt1"/>
+          </a:fontRef>
+        </p:style>
+        <p:txBody>
+          <a:bodyPr rtlCol="0" anchor="ctr"/>
+          <a:lstStyle/>
+          <a:p>
+            <a:pPr algn="ctr"/>
+            <a:r>
+              <a:rPr lang="en-US" dirty="0" err="1" smtClean="0"/>
+              <a:t>Fasta</a:t>
+            </a:r>
+            <a:endParaRPr lang="en-US" dirty="0"/>
+          </a:p>
+        </p:txBody>
+      </p:sp>
+      <p:sp>
+        <p:nvSpPr>
+          <p:cNvPr id="29" name="Isosceles Triangle 28"/>
+          <p:cNvSpPr/>
+          <p:nvPr/>
+        </p:nvSpPr>
+        <p:spPr>
+          <a:xfrm rot="5400000">
+            <a:off x="2277581" y="3253028"/>
+            <a:ext cx="359628" cy="175191"/>
+          </a:xfrm>
+          <a:prstGeom prst="triangle">
+            <a:avLst/>
+          </a:prstGeom>
+          <a:solidFill>
+            <a:schemeClr val="tx1"/>
+          </a:solidFill>
+          <a:ln>
+            <a:solidFill>
+              <a:schemeClr val="tx1"/>
+            </a:solidFill>
+          </a:ln>
+        </p:spPr>
+        <p:style>
+          <a:lnRef idx="1">
+            <a:schemeClr val="accent1"/>
+          </a:lnRef>
+          <a:fillRef idx="3">
+            <a:schemeClr val="accent1"/>
+          </a:fillRef>
+          <a:effectRef idx="2">
+            <a:schemeClr val="accent1"/>
+          </a:effectRef>
+          <a:fontRef idx="minor">
+            <a:schemeClr val="lt1"/>
+          </a:fontRef>
+        </p:style>
+        <p:txBody>
+          <a:bodyPr rtlCol="0" anchor="ctr"/>
+          <a:lstStyle/>
+          <a:p>
+            <a:pPr algn="ctr"/>
+            <a:endParaRPr lang="en-US"/>
+          </a:p>
+        </p:txBody>
+      </p:sp>
+      <p:grpSp>
+        <p:nvGrpSpPr>
+          <p:cNvPr id="76" name="Group 75"/>
+          <p:cNvGrpSpPr/>
+          <p:nvPr/>
+        </p:nvGrpSpPr>
+        <p:grpSpPr>
+          <a:xfrm>
+            <a:off x="6367405" y="2305417"/>
+            <a:ext cx="2730161" cy="1153341"/>
+            <a:chOff x="6367405" y="2305417"/>
+            <a:chExt cx="2730161" cy="1153341"/>
+          </a:xfrm>
+        </p:grpSpPr>
+        <p:sp>
+          <p:nvSpPr>
+            <p:cNvPr id="26" name="Rounded Rectangle 25"/>
+            <p:cNvSpPr/>
+            <p:nvPr/>
+          </p:nvSpPr>
+          <p:spPr>
+            <a:xfrm>
+              <a:off x="6367405" y="2508037"/>
+              <a:ext cx="1649606" cy="773760"/>
+            </a:xfrm>
+            <a:prstGeom prst="roundRect">
+              <a:avLst/>
+            </a:prstGeom>
+          </p:spPr>
+          <p:style>
+            <a:lnRef idx="0">
+              <a:schemeClr val="dk1"/>
+            </a:lnRef>
+            <a:fillRef idx="3">
+              <a:schemeClr val="dk1"/>
+            </a:fillRef>
+            <a:effectRef idx="3">
+              <a:schemeClr val="dk1"/>
+            </a:effectRef>
+            <a:fontRef idx="minor">
+              <a:schemeClr val="lt1"/>
+            </a:fontRef>
+          </p:style>
+          <p:txBody>
+            <a:bodyPr rtlCol="0" anchor="ctr"/>
+            <a:lstStyle/>
+            <a:p>
+              <a:pPr algn="ctr"/>
+              <a:r>
+                <a:rPr lang="en-US" dirty="0" smtClean="0"/>
+                <a:t>Evaluation/ improvement</a:t>
+              </a:r>
+              <a:endParaRPr lang="en-US" dirty="0"/>
+            </a:p>
+          </p:txBody>
+        </p:sp>
+        <p:sp>
+          <p:nvSpPr>
+            <p:cNvPr id="28" name="Rectangle 27"/>
+            <p:cNvSpPr/>
+            <p:nvPr/>
+          </p:nvSpPr>
+          <p:spPr>
+            <a:xfrm>
+              <a:off x="8236268" y="2305417"/>
+              <a:ext cx="861298" cy="1153341"/>
+            </a:xfrm>
+            <a:prstGeom prst="rect">
+              <a:avLst/>
+            </a:prstGeom>
+          </p:spPr>
+          <p:style>
+            <a:lnRef idx="1">
+              <a:schemeClr val="accent1"/>
+            </a:lnRef>
+            <a:fillRef idx="3">
+              <a:schemeClr val="accent1"/>
+            </a:fillRef>
+            <a:effectRef idx="2">
+              <a:schemeClr val="accent1"/>
+            </a:effectRef>
+            <a:fontRef idx="minor">
+              <a:schemeClr val="lt1"/>
+            </a:fontRef>
+          </p:style>
+          <p:txBody>
+            <a:bodyPr rtlCol="0" anchor="ctr"/>
+            <a:lstStyle/>
+            <a:p>
+              <a:pPr algn="ctr"/>
+              <a:r>
+                <a:rPr lang="en-US" dirty="0" smtClean="0"/>
+                <a:t>New </a:t>
+              </a:r>
+              <a:r>
+                <a:rPr lang="en-US" dirty="0" err="1" smtClean="0"/>
+                <a:t>fasta</a:t>
+              </a:r>
+              <a:endParaRPr lang="en-US" dirty="0"/>
+            </a:p>
+          </p:txBody>
+        </p:sp>
+        <p:sp>
+          <p:nvSpPr>
+            <p:cNvPr id="31" name="Isosceles Triangle 30"/>
+            <p:cNvSpPr/>
+            <p:nvPr/>
+          </p:nvSpPr>
+          <p:spPr>
+            <a:xfrm rot="5400000">
+              <a:off x="7946267" y="2807322"/>
+              <a:ext cx="359628" cy="175191"/>
+            </a:xfrm>
+            <a:prstGeom prst="triangle">
+              <a:avLst/>
+            </a:prstGeom>
+            <a:solidFill>
+              <a:schemeClr val="tx1"/>
+            </a:solidFill>
+            <a:ln>
+              <a:solidFill>
+                <a:schemeClr val="tx1"/>
+              </a:solidFill>
+            </a:ln>
+          </p:spPr>
+          <p:style>
+            <a:lnRef idx="1">
+              <a:schemeClr val="accent1"/>
+            </a:lnRef>
+            <a:fillRef idx="3">
+              <a:schemeClr val="accent1"/>
+            </a:fillRef>
+            <a:effectRef idx="2">
+              <a:schemeClr val="accent1"/>
+            </a:effectRef>
+            <a:fontRef idx="minor">
+              <a:schemeClr val="lt1"/>
+            </a:fontRef>
+          </p:style>
+          <p:txBody>
+            <a:bodyPr rtlCol="0" anchor="ctr"/>
+            <a:lstStyle/>
+            <a:p>
+              <a:pPr algn="ctr"/>
+              <a:endParaRPr lang="en-US"/>
+            </a:p>
+          </p:txBody>
+        </p:sp>
+      </p:grpSp>
+      <p:sp>
+        <p:nvSpPr>
+          <p:cNvPr id="33" name="Rectangle 32"/>
+          <p:cNvSpPr/>
+          <p:nvPr/>
+        </p:nvSpPr>
+        <p:spPr>
+          <a:xfrm>
+            <a:off x="127840" y="4079946"/>
+            <a:ext cx="1077893" cy="1153341"/>
+          </a:xfrm>
+          <a:prstGeom prst="rect">
+            <a:avLst/>
+          </a:prstGeom>
+        </p:spPr>
+        <p:style>
+          <a:lnRef idx="1">
+            <a:schemeClr val="accent1"/>
+          </a:lnRef>
+          <a:fillRef idx="3">
+            <a:schemeClr val="accent1"/>
+          </a:fillRef>
+          <a:effectRef idx="2">
+            <a:schemeClr val="accent1"/>
+          </a:effectRef>
+          <a:fontRef idx="minor">
+            <a:schemeClr val="lt1"/>
+          </a:fontRef>
+        </p:style>
+        <p:txBody>
+          <a:bodyPr rtlCol="0" anchor="ctr"/>
+          <a:lstStyle/>
+          <a:p>
+            <a:pPr algn="ctr"/>
+            <a:r>
+              <a:rPr lang="en-US" dirty="0" err="1" smtClean="0"/>
+              <a:t>Illumina</a:t>
+            </a:r>
+            <a:r>
+              <a:rPr lang="en-US" dirty="0" smtClean="0"/>
+              <a:t> mate pair</a:t>
+            </a:r>
+          </a:p>
+        </p:txBody>
+      </p:sp>
+      <p:grpSp>
+        <p:nvGrpSpPr>
+          <p:cNvPr id="77" name="Group 76"/>
+          <p:cNvGrpSpPr/>
+          <p:nvPr/>
+        </p:nvGrpSpPr>
+        <p:grpSpPr>
+          <a:xfrm>
+            <a:off x="3487853" y="3553439"/>
+            <a:ext cx="2777077" cy="1153341"/>
+            <a:chOff x="3487853" y="3553439"/>
+            <a:chExt cx="2777077" cy="1153341"/>
+          </a:xfrm>
+        </p:grpSpPr>
+        <p:sp>
+          <p:nvSpPr>
+            <p:cNvPr id="32" name="Rounded Rectangle 31"/>
+            <p:cNvSpPr/>
+            <p:nvPr/>
+          </p:nvSpPr>
+          <p:spPr>
+            <a:xfrm>
+              <a:off x="3487853" y="3743229"/>
+              <a:ext cx="1649606" cy="773760"/>
+            </a:xfrm>
+            <a:prstGeom prst="roundRect">
+              <a:avLst/>
+            </a:prstGeom>
+          </p:spPr>
+          <p:style>
+            <a:lnRef idx="0">
+              <a:schemeClr val="dk1"/>
+            </a:lnRef>
+            <a:fillRef idx="3">
+              <a:schemeClr val="dk1"/>
+            </a:fillRef>
+            <a:effectRef idx="3">
+              <a:schemeClr val="dk1"/>
+            </a:effectRef>
+            <a:fontRef idx="minor">
+              <a:schemeClr val="lt1"/>
+            </a:fontRef>
+          </p:style>
+          <p:txBody>
+            <a:bodyPr rtlCol="0" anchor="ctr"/>
+            <a:lstStyle/>
+            <a:p>
+              <a:pPr algn="ctr"/>
+              <a:r>
+                <a:rPr lang="en-US" dirty="0" smtClean="0"/>
+                <a:t>Compare to reference</a:t>
+              </a:r>
+              <a:endParaRPr lang="en-US" dirty="0"/>
+            </a:p>
+          </p:txBody>
+        </p:sp>
+        <p:sp>
+          <p:nvSpPr>
+            <p:cNvPr id="49" name="Rectangle 48"/>
+            <p:cNvSpPr/>
+            <p:nvPr/>
+          </p:nvSpPr>
+          <p:spPr>
+            <a:xfrm>
+              <a:off x="5368825" y="3553439"/>
+              <a:ext cx="896105" cy="1153341"/>
+            </a:xfrm>
+            <a:prstGeom prst="rect">
+              <a:avLst/>
+            </a:prstGeom>
+          </p:spPr>
+          <p:style>
+            <a:lnRef idx="1">
+              <a:schemeClr val="accent1"/>
+            </a:lnRef>
+            <a:fillRef idx="3">
+              <a:schemeClr val="accent1"/>
+            </a:fillRef>
+            <a:effectRef idx="2">
+              <a:schemeClr val="accent1"/>
+            </a:effectRef>
+            <a:fontRef idx="minor">
+              <a:schemeClr val="lt1"/>
+            </a:fontRef>
+          </p:style>
+          <p:txBody>
+            <a:bodyPr rtlCol="0" anchor="ctr"/>
+            <a:lstStyle/>
+            <a:p>
+              <a:pPr algn="ctr"/>
+              <a:r>
+                <a:rPr lang="en-US" dirty="0" smtClean="0"/>
+                <a:t>Report</a:t>
+              </a:r>
+              <a:endParaRPr lang="en-US" dirty="0"/>
+            </a:p>
+          </p:txBody>
+        </p:sp>
+        <p:sp>
+          <p:nvSpPr>
+            <p:cNvPr id="50" name="Isosceles Triangle 49"/>
+            <p:cNvSpPr/>
+            <p:nvPr/>
+          </p:nvSpPr>
+          <p:spPr>
+            <a:xfrm rot="5400000">
+              <a:off x="5101415" y="4042514"/>
+              <a:ext cx="359628" cy="175191"/>
+            </a:xfrm>
+            <a:prstGeom prst="triangle">
+              <a:avLst/>
+            </a:prstGeom>
+            <a:solidFill>
+              <a:schemeClr val="tx1"/>
+            </a:solidFill>
+            <a:ln>
+              <a:solidFill>
+                <a:schemeClr val="tx1"/>
+              </a:solidFill>
+            </a:ln>
+          </p:spPr>
+          <p:style>
+            <a:lnRef idx="1">
+              <a:schemeClr val="accent1"/>
+            </a:lnRef>
+            <a:fillRef idx="3">
+              <a:schemeClr val="accent1"/>
+            </a:fillRef>
+            <a:effectRef idx="2">
+              <a:schemeClr val="accent1"/>
+            </a:effectRef>
+            <a:fontRef idx="minor">
+              <a:schemeClr val="lt1"/>
+            </a:fontRef>
+          </p:style>
+          <p:txBody>
+            <a:bodyPr rtlCol="0" anchor="ctr"/>
+            <a:lstStyle/>
+            <a:p>
+              <a:pPr algn="ctr"/>
+              <a:endParaRPr lang="en-US"/>
+            </a:p>
+          </p:txBody>
+        </p:sp>
+      </p:grpSp>
+      <p:grpSp>
+        <p:nvGrpSpPr>
+          <p:cNvPr id="78" name="Group 77"/>
+          <p:cNvGrpSpPr/>
+          <p:nvPr/>
+        </p:nvGrpSpPr>
+        <p:grpSpPr>
+          <a:xfrm>
+            <a:off x="127840" y="5385687"/>
+            <a:ext cx="2308186" cy="1153341"/>
+            <a:chOff x="127840" y="5385687"/>
+            <a:chExt cx="2308186" cy="1153341"/>
+          </a:xfrm>
+        </p:grpSpPr>
+        <p:sp>
+          <p:nvSpPr>
+            <p:cNvPr id="69" name="Rectangle 68"/>
+            <p:cNvSpPr/>
+            <p:nvPr/>
+          </p:nvSpPr>
+          <p:spPr>
+            <a:xfrm>
+              <a:off x="127840" y="5385687"/>
+              <a:ext cx="1077893" cy="1153341"/>
+            </a:xfrm>
+            <a:prstGeom prst="rect">
+              <a:avLst/>
+            </a:prstGeom>
+          </p:spPr>
+          <p:style>
+            <a:lnRef idx="1">
+              <a:schemeClr val="accent1"/>
+            </a:lnRef>
+            <a:fillRef idx="3">
+              <a:schemeClr val="accent1"/>
+            </a:fillRef>
+            <a:effectRef idx="2">
+              <a:schemeClr val="accent1"/>
+            </a:effectRef>
+            <a:fontRef idx="minor">
+              <a:schemeClr val="lt1"/>
+            </a:fontRef>
+          </p:style>
+          <p:txBody>
+            <a:bodyPr rtlCol="0" anchor="ctr"/>
+            <a:lstStyle/>
+            <a:p>
+              <a:pPr algn="ctr"/>
+              <a:r>
+                <a:rPr lang="en-US" dirty="0" err="1" smtClean="0"/>
+                <a:t>PacBio</a:t>
+              </a:r>
+              <a:endParaRPr lang="en-US" dirty="0" smtClean="0"/>
+            </a:p>
+          </p:txBody>
+        </p:sp>
+        <p:sp>
+          <p:nvSpPr>
+            <p:cNvPr id="70" name="Rectangle 69"/>
+            <p:cNvSpPr/>
+            <p:nvPr/>
+          </p:nvSpPr>
+          <p:spPr>
+            <a:xfrm>
+              <a:off x="1358133" y="5385687"/>
+              <a:ext cx="1077893" cy="1153341"/>
+            </a:xfrm>
+            <a:prstGeom prst="rect">
+              <a:avLst/>
+            </a:prstGeom>
+          </p:spPr>
+          <p:style>
+            <a:lnRef idx="1">
+              <a:schemeClr val="accent1"/>
+            </a:lnRef>
+            <a:fillRef idx="3">
+              <a:schemeClr val="accent1"/>
+            </a:fillRef>
+            <a:effectRef idx="2">
+              <a:schemeClr val="accent1"/>
+            </a:effectRef>
+            <a:fontRef idx="minor">
+              <a:schemeClr val="lt1"/>
+            </a:fontRef>
+          </p:style>
+          <p:txBody>
+            <a:bodyPr rtlCol="0" anchor="ctr"/>
+            <a:lstStyle/>
+            <a:p>
+              <a:pPr algn="ctr"/>
+              <a:r>
+                <a:rPr lang="en-US" dirty="0" err="1" smtClean="0"/>
+                <a:t>MinION</a:t>
+              </a:r>
+              <a:endParaRPr lang="en-US" dirty="0" smtClean="0"/>
+            </a:p>
+          </p:txBody>
+        </p:sp>
+      </p:grpSp>
+      <p:grpSp>
+        <p:nvGrpSpPr>
+          <p:cNvPr id="75" name="Group 74"/>
+          <p:cNvGrpSpPr/>
+          <p:nvPr/>
+        </p:nvGrpSpPr>
+        <p:grpSpPr>
+          <a:xfrm>
+            <a:off x="3487853" y="1914537"/>
+            <a:ext cx="3542696" cy="1544221"/>
+            <a:chOff x="3487853" y="1914537"/>
+            <a:chExt cx="3542696" cy="1544221"/>
+          </a:xfrm>
+        </p:grpSpPr>
+        <p:sp>
+          <p:nvSpPr>
+            <p:cNvPr id="71" name="Rounded Rectangle 70"/>
+            <p:cNvSpPr/>
+            <p:nvPr/>
+          </p:nvSpPr>
+          <p:spPr>
+            <a:xfrm>
+              <a:off x="4896699" y="1914537"/>
+              <a:ext cx="2133850" cy="315574"/>
+            </a:xfrm>
+            <a:prstGeom prst="roundRect">
+              <a:avLst/>
+            </a:prstGeom>
+          </p:spPr>
+          <p:style>
+            <a:lnRef idx="2">
+              <a:schemeClr val="accent2">
+                <a:shade val="50000"/>
+              </a:schemeClr>
+            </a:lnRef>
+            <a:fillRef idx="1">
+              <a:schemeClr val="accent2"/>
+            </a:fillRef>
+            <a:effectRef idx="0">
+              <a:schemeClr val="accent2"/>
+            </a:effectRef>
+            <a:fontRef idx="minor">
+              <a:schemeClr val="lt1"/>
+            </a:fontRef>
+          </p:style>
+          <p:txBody>
+            <a:bodyPr rtlCol="0" anchor="ctr"/>
+            <a:lstStyle/>
+            <a:p>
+              <a:pPr algn="ctr"/>
+              <a:r>
+                <a:rPr lang="en-US" dirty="0" smtClean="0"/>
+                <a:t>Visualization</a:t>
+              </a:r>
+              <a:endParaRPr lang="en-US" dirty="0"/>
+            </a:p>
+          </p:txBody>
+        </p:sp>
+        <p:sp>
+          <p:nvSpPr>
+            <p:cNvPr id="72" name="Rounded Rectangle 71"/>
+            <p:cNvSpPr/>
+            <p:nvPr/>
+          </p:nvSpPr>
+          <p:spPr>
+            <a:xfrm>
+              <a:off x="3487853" y="2508037"/>
+              <a:ext cx="1649606" cy="773760"/>
+            </a:xfrm>
+            <a:prstGeom prst="roundRect">
+              <a:avLst/>
+            </a:prstGeom>
+          </p:spPr>
+          <p:style>
+            <a:lnRef idx="0">
+              <a:schemeClr val="dk1"/>
+            </a:lnRef>
+            <a:fillRef idx="3">
+              <a:schemeClr val="dk1"/>
+            </a:fillRef>
+            <a:effectRef idx="3">
+              <a:schemeClr val="dk1"/>
+            </a:effectRef>
+            <a:fontRef idx="minor">
+              <a:schemeClr val="lt1"/>
+            </a:fontRef>
+          </p:style>
+          <p:txBody>
+            <a:bodyPr rtlCol="0" anchor="ctr"/>
+            <a:lstStyle/>
+            <a:p>
+              <a:pPr algn="ctr"/>
+              <a:r>
+                <a:rPr lang="en-US" dirty="0" smtClean="0"/>
+                <a:t>Mapping reads</a:t>
+              </a:r>
+              <a:endParaRPr lang="en-US" dirty="0"/>
+            </a:p>
+          </p:txBody>
+        </p:sp>
+        <p:sp>
+          <p:nvSpPr>
+            <p:cNvPr id="73" name="Rectangle 72"/>
+            <p:cNvSpPr/>
+            <p:nvPr/>
+          </p:nvSpPr>
+          <p:spPr>
+            <a:xfrm>
+              <a:off x="5368825" y="2305417"/>
+              <a:ext cx="896105" cy="1153341"/>
+            </a:xfrm>
+            <a:prstGeom prst="rect">
+              <a:avLst/>
+            </a:prstGeom>
+          </p:spPr>
+          <p:style>
+            <a:lnRef idx="1">
+              <a:schemeClr val="accent1"/>
+            </a:lnRef>
+            <a:fillRef idx="3">
+              <a:schemeClr val="accent1"/>
+            </a:fillRef>
+            <a:effectRef idx="2">
+              <a:schemeClr val="accent1"/>
+            </a:effectRef>
+            <a:fontRef idx="minor">
+              <a:schemeClr val="lt1"/>
+            </a:fontRef>
+          </p:style>
+          <p:txBody>
+            <a:bodyPr rtlCol="0" anchor="ctr"/>
+            <a:lstStyle/>
+            <a:p>
+              <a:pPr algn="ctr"/>
+              <a:r>
+                <a:rPr lang="en-US" dirty="0" smtClean="0"/>
+                <a:t>BAM</a:t>
+              </a:r>
+              <a:endParaRPr lang="en-US" dirty="0"/>
+            </a:p>
+          </p:txBody>
+        </p:sp>
+        <p:sp>
+          <p:nvSpPr>
+            <p:cNvPr id="74" name="Isosceles Triangle 73"/>
+            <p:cNvSpPr/>
+            <p:nvPr/>
+          </p:nvSpPr>
+          <p:spPr>
+            <a:xfrm rot="5400000">
+              <a:off x="5101415" y="2807322"/>
+              <a:ext cx="359628" cy="175191"/>
+            </a:xfrm>
+            <a:prstGeom prst="triangle">
+              <a:avLst/>
+            </a:prstGeom>
+            <a:solidFill>
+              <a:schemeClr val="tx1"/>
+            </a:solidFill>
+            <a:ln>
+              <a:solidFill>
+                <a:schemeClr val="tx1"/>
+              </a:solidFill>
+            </a:ln>
+          </p:spPr>
+          <p:style>
+            <a:lnRef idx="1">
+              <a:schemeClr val="accent1"/>
+            </a:lnRef>
+            <a:fillRef idx="3">
+              <a:schemeClr val="accent1"/>
+            </a:fillRef>
+            <a:effectRef idx="2">
+              <a:schemeClr val="accent1"/>
+            </a:effectRef>
+            <a:fontRef idx="minor">
+              <a:schemeClr val="lt1"/>
+            </a:fontRef>
+          </p:style>
+          <p:txBody>
+            <a:bodyPr rtlCol="0" anchor="ctr"/>
+            <a:lstStyle/>
+            <a:p>
+              <a:pPr algn="ctr"/>
+              <a:endParaRPr lang="en-US"/>
+            </a:p>
+          </p:txBody>
+        </p:sp>
+      </p:grpSp>
+      <p:grpSp>
+        <p:nvGrpSpPr>
+          <p:cNvPr id="87" name="Group 86"/>
+          <p:cNvGrpSpPr/>
+          <p:nvPr/>
+        </p:nvGrpSpPr>
+        <p:grpSpPr>
+          <a:xfrm>
+            <a:off x="1438220" y="3743229"/>
+            <a:ext cx="931577" cy="986435"/>
+            <a:chOff x="1438220" y="3743229"/>
+            <a:chExt cx="931577" cy="986435"/>
+          </a:xfrm>
+        </p:grpSpPr>
+        <p:cxnSp>
+          <p:nvCxnSpPr>
+            <p:cNvPr id="80" name="Straight Connector 79"/>
+            <p:cNvCxnSpPr/>
+            <p:nvPr/>
+          </p:nvCxnSpPr>
+          <p:spPr>
+            <a:xfrm flipH="1">
+              <a:off x="1438220" y="3743229"/>
+              <a:ext cx="3311" cy="870702"/>
+            </a:xfrm>
+            <a:prstGeom prst="line">
+              <a:avLst/>
+            </a:prstGeom>
+          </p:spPr>
+          <p:style>
+            <a:lnRef idx="2">
+              <a:schemeClr val="accent1"/>
+            </a:lnRef>
+            <a:fillRef idx="0">
+              <a:schemeClr val="accent1"/>
+            </a:fillRef>
+            <a:effectRef idx="1">
+              <a:schemeClr val="accent1"/>
+            </a:effectRef>
+            <a:fontRef idx="minor">
+              <a:schemeClr val="tx1"/>
+            </a:fontRef>
+          </p:style>
+        </p:cxnSp>
+        <p:sp>
+          <p:nvSpPr>
+            <p:cNvPr id="81" name="TextBox 80"/>
+            <p:cNvSpPr txBox="1"/>
+            <p:nvPr/>
+          </p:nvSpPr>
+          <p:spPr>
+            <a:xfrm>
+              <a:off x="1531106" y="3806334"/>
+              <a:ext cx="838691" cy="923330"/>
+            </a:xfrm>
+            <a:prstGeom prst="rect">
+              <a:avLst/>
+            </a:prstGeom>
+            <a:noFill/>
+          </p:spPr>
+          <p:txBody>
+            <a:bodyPr wrap="none" rtlCol="0">
+              <a:spAutoFit/>
+            </a:bodyPr>
+            <a:lstStyle/>
+            <a:p>
+              <a:r>
+                <a:rPr lang="en-US" dirty="0" smtClean="0"/>
+                <a:t>velvet</a:t>
+              </a:r>
+            </a:p>
+            <a:p>
+              <a:r>
+                <a:rPr lang="en-US" dirty="0" smtClean="0"/>
+                <a:t>spades</a:t>
+              </a:r>
+            </a:p>
+            <a:p>
+              <a:r>
+                <a:rPr lang="en-US" dirty="0" smtClean="0"/>
+                <a:t>…</a:t>
+              </a:r>
+              <a:endParaRPr lang="en-US" dirty="0"/>
+            </a:p>
+          </p:txBody>
+        </p:sp>
+        <p:cxnSp>
+          <p:nvCxnSpPr>
+            <p:cNvPr id="83" name="Straight Connector 82"/>
+            <p:cNvCxnSpPr/>
+            <p:nvPr/>
+          </p:nvCxnSpPr>
+          <p:spPr>
+            <a:xfrm>
+              <a:off x="1438220" y="4613931"/>
+              <a:ext cx="150091" cy="0"/>
+            </a:xfrm>
+            <a:prstGeom prst="line">
+              <a:avLst/>
+            </a:prstGeom>
+          </p:spPr>
+          <p:style>
+            <a:lnRef idx="2">
+              <a:schemeClr val="accent1"/>
+            </a:lnRef>
+            <a:fillRef idx="0">
+              <a:schemeClr val="accent1"/>
+            </a:fillRef>
+            <a:effectRef idx="1">
+              <a:schemeClr val="accent1"/>
+            </a:effectRef>
+            <a:fontRef idx="minor">
+              <a:schemeClr val="tx1"/>
+            </a:fontRef>
+          </p:style>
+        </p:cxnSp>
+        <p:cxnSp>
+          <p:nvCxnSpPr>
+            <p:cNvPr id="84" name="Straight Connector 83"/>
+            <p:cNvCxnSpPr/>
+            <p:nvPr/>
+          </p:nvCxnSpPr>
+          <p:spPr>
+            <a:xfrm>
+              <a:off x="1438220" y="4282113"/>
+              <a:ext cx="150091" cy="0"/>
+            </a:xfrm>
+            <a:prstGeom prst="line">
+              <a:avLst/>
+            </a:prstGeom>
+          </p:spPr>
+          <p:style>
+            <a:lnRef idx="2">
+              <a:schemeClr val="accent1"/>
+            </a:lnRef>
+            <a:fillRef idx="0">
+              <a:schemeClr val="accent1"/>
+            </a:fillRef>
+            <a:effectRef idx="1">
+              <a:schemeClr val="accent1"/>
+            </a:effectRef>
+            <a:fontRef idx="minor">
+              <a:schemeClr val="tx1"/>
+            </a:fontRef>
+          </p:style>
+        </p:cxnSp>
+        <p:cxnSp>
+          <p:nvCxnSpPr>
+            <p:cNvPr id="85" name="Straight Connector 84"/>
+            <p:cNvCxnSpPr/>
+            <p:nvPr/>
+          </p:nvCxnSpPr>
+          <p:spPr>
+            <a:xfrm>
+              <a:off x="1438220" y="4018947"/>
+              <a:ext cx="150091" cy="0"/>
+            </a:xfrm>
+            <a:prstGeom prst="line">
+              <a:avLst/>
+            </a:prstGeom>
+          </p:spPr>
+          <p:style>
+            <a:lnRef idx="2">
+              <a:schemeClr val="accent1"/>
+            </a:lnRef>
+            <a:fillRef idx="0">
+              <a:schemeClr val="accent1"/>
+            </a:fillRef>
+            <a:effectRef idx="1">
+              <a:schemeClr val="accent1"/>
+            </a:effectRef>
+            <a:fontRef idx="minor">
+              <a:schemeClr val="tx1"/>
+            </a:fontRef>
+          </p:style>
+        </p:cxnSp>
+      </p:grpSp>
     </p:spTree>
     <p:extLst>
       <p:ext uri="{BB962C8B-B14F-4D97-AF65-F5344CB8AC3E}">
@@ -3297,6 +7804,355 @@
   <p:clrMapOvr>
     <a:masterClrMapping/>
   </p:clrMapOvr>
+  <p:timing>
+    <p:tnLst>
+      <p:par>
+        <p:cTn xmlns:p14="http://schemas.microsoft.com/office/powerpoint/2010/main" id="1" dur="indefinite" restart="never" nodeType="tmRoot">
+          <p:childTnLst>
+            <p:seq concurrent="1" nextAc="seek">
+              <p:cTn id="2" dur="indefinite" nodeType="mainSeq">
+                <p:childTnLst>
+                  <p:par>
+                    <p:cTn id="3" fill="hold">
+                      <p:stCondLst>
+                        <p:cond delay="indefinite"/>
+                      </p:stCondLst>
+                      <p:childTnLst>
+                        <p:par>
+                          <p:cTn id="4" fill="hold">
+                            <p:stCondLst>
+                              <p:cond delay="0"/>
+                            </p:stCondLst>
+                            <p:childTnLst>
+                              <p:par>
+                                <p:cTn id="5" presetID="1" presetClass="entr" presetSubtype="0" fill="hold" grpId="0" nodeType="clickEffect">
+                                  <p:stCondLst>
+                                    <p:cond delay="0"/>
+                                  </p:stCondLst>
+                                  <p:childTnLst>
+                                    <p:set>
+                                      <p:cBhvr>
+                                        <p:cTn id="6" dur="1" fill="hold">
+                                          <p:stCondLst>
+                                            <p:cond delay="0"/>
+                                          </p:stCondLst>
+                                        </p:cTn>
+                                        <p:tgtEl>
+                                          <p:spTgt spid="33"/>
+                                        </p:tgtEl>
+                                        <p:attrNameLst>
+                                          <p:attrName>style.visibility</p:attrName>
+                                        </p:attrNameLst>
+                                      </p:cBhvr>
+                                      <p:to>
+                                        <p:strVal val="visible"/>
+                                      </p:to>
+                                    </p:set>
+                                  </p:childTnLst>
+                                </p:cTn>
+                              </p:par>
+                            </p:childTnLst>
+                          </p:cTn>
+                        </p:par>
+                      </p:childTnLst>
+                    </p:cTn>
+                  </p:par>
+                  <p:par>
+                    <p:cTn id="7" fill="hold">
+                      <p:stCondLst>
+                        <p:cond delay="indefinite"/>
+                      </p:stCondLst>
+                      <p:childTnLst>
+                        <p:par>
+                          <p:cTn id="8" fill="hold">
+                            <p:stCondLst>
+                              <p:cond delay="0"/>
+                            </p:stCondLst>
+                            <p:childTnLst>
+                              <p:par>
+                                <p:cTn id="9" presetID="1" presetClass="entr" presetSubtype="0" fill="hold" grpId="0" nodeType="clickEffect">
+                                  <p:stCondLst>
+                                    <p:cond delay="0"/>
+                                  </p:stCondLst>
+                                  <p:childTnLst>
+                                    <p:set>
+                                      <p:cBhvr>
+                                        <p:cTn id="10" dur="1" fill="hold">
+                                          <p:stCondLst>
+                                            <p:cond delay="0"/>
+                                          </p:stCondLst>
+                                        </p:cTn>
+                                        <p:tgtEl>
+                                          <p:spTgt spid="17"/>
+                                        </p:tgtEl>
+                                        <p:attrNameLst>
+                                          <p:attrName>style.visibility</p:attrName>
+                                        </p:attrNameLst>
+                                      </p:cBhvr>
+                                      <p:to>
+                                        <p:strVal val="visible"/>
+                                      </p:to>
+                                    </p:set>
+                                  </p:childTnLst>
+                                </p:cTn>
+                              </p:par>
+                            </p:childTnLst>
+                          </p:cTn>
+                        </p:par>
+                      </p:childTnLst>
+                    </p:cTn>
+                  </p:par>
+                  <p:par>
+                    <p:cTn id="11" fill="hold">
+                      <p:stCondLst>
+                        <p:cond delay="indefinite"/>
+                      </p:stCondLst>
+                      <p:childTnLst>
+                        <p:par>
+                          <p:cTn id="12" fill="hold">
+                            <p:stCondLst>
+                              <p:cond delay="0"/>
+                            </p:stCondLst>
+                            <p:childTnLst>
+                              <p:par>
+                                <p:cTn id="13" presetID="1" presetClass="entr" presetSubtype="0" fill="hold" nodeType="clickEffect">
+                                  <p:stCondLst>
+                                    <p:cond delay="0"/>
+                                  </p:stCondLst>
+                                  <p:childTnLst>
+                                    <p:set>
+                                      <p:cBhvr>
+                                        <p:cTn id="14" dur="1" fill="hold">
+                                          <p:stCondLst>
+                                            <p:cond delay="0"/>
+                                          </p:stCondLst>
+                                        </p:cTn>
+                                        <p:tgtEl>
+                                          <p:spTgt spid="75"/>
+                                        </p:tgtEl>
+                                        <p:attrNameLst>
+                                          <p:attrName>style.visibility</p:attrName>
+                                        </p:attrNameLst>
+                                      </p:cBhvr>
+                                      <p:to>
+                                        <p:strVal val="visible"/>
+                                      </p:to>
+                                    </p:set>
+                                  </p:childTnLst>
+                                </p:cTn>
+                              </p:par>
+                            </p:childTnLst>
+                          </p:cTn>
+                        </p:par>
+                      </p:childTnLst>
+                    </p:cTn>
+                  </p:par>
+                  <p:par>
+                    <p:cTn id="15" fill="hold">
+                      <p:stCondLst>
+                        <p:cond delay="indefinite"/>
+                      </p:stCondLst>
+                      <p:childTnLst>
+                        <p:par>
+                          <p:cTn id="16" fill="hold">
+                            <p:stCondLst>
+                              <p:cond delay="0"/>
+                            </p:stCondLst>
+                            <p:childTnLst>
+                              <p:par>
+                                <p:cTn id="17" presetID="1" presetClass="entr" presetSubtype="0" fill="hold" nodeType="clickEffect">
+                                  <p:stCondLst>
+                                    <p:cond delay="0"/>
+                                  </p:stCondLst>
+                                  <p:childTnLst>
+                                    <p:set>
+                                      <p:cBhvr>
+                                        <p:cTn id="18" dur="1" fill="hold">
+                                          <p:stCondLst>
+                                            <p:cond delay="0"/>
+                                          </p:stCondLst>
+                                        </p:cTn>
+                                        <p:tgtEl>
+                                          <p:spTgt spid="76"/>
+                                        </p:tgtEl>
+                                        <p:attrNameLst>
+                                          <p:attrName>style.visibility</p:attrName>
+                                        </p:attrNameLst>
+                                      </p:cBhvr>
+                                      <p:to>
+                                        <p:strVal val="visible"/>
+                                      </p:to>
+                                    </p:set>
+                                  </p:childTnLst>
+                                </p:cTn>
+                              </p:par>
+                            </p:childTnLst>
+                          </p:cTn>
+                        </p:par>
+                      </p:childTnLst>
+                    </p:cTn>
+                  </p:par>
+                  <p:par>
+                    <p:cTn id="19" fill="hold">
+                      <p:stCondLst>
+                        <p:cond delay="indefinite"/>
+                      </p:stCondLst>
+                      <p:childTnLst>
+                        <p:par>
+                          <p:cTn id="20" fill="hold">
+                            <p:stCondLst>
+                              <p:cond delay="0"/>
+                            </p:stCondLst>
+                            <p:childTnLst>
+                              <p:par>
+                                <p:cTn id="21" presetID="1" presetClass="entr" presetSubtype="0" fill="hold" nodeType="clickEffect">
+                                  <p:stCondLst>
+                                    <p:cond delay="0"/>
+                                  </p:stCondLst>
+                                  <p:childTnLst>
+                                    <p:set>
+                                      <p:cBhvr>
+                                        <p:cTn id="22" dur="1" fill="hold">
+                                          <p:stCondLst>
+                                            <p:cond delay="0"/>
+                                          </p:stCondLst>
+                                        </p:cTn>
+                                        <p:tgtEl>
+                                          <p:spTgt spid="77"/>
+                                        </p:tgtEl>
+                                        <p:attrNameLst>
+                                          <p:attrName>style.visibility</p:attrName>
+                                        </p:attrNameLst>
+                                      </p:cBhvr>
+                                      <p:to>
+                                        <p:strVal val="visible"/>
+                                      </p:to>
+                                    </p:set>
+                                  </p:childTnLst>
+                                </p:cTn>
+                              </p:par>
+                            </p:childTnLst>
+                          </p:cTn>
+                        </p:par>
+                      </p:childTnLst>
+                    </p:cTn>
+                  </p:par>
+                  <p:par>
+                    <p:cTn id="23" fill="hold">
+                      <p:stCondLst>
+                        <p:cond delay="indefinite"/>
+                      </p:stCondLst>
+                      <p:childTnLst>
+                        <p:par>
+                          <p:cTn id="24" fill="hold">
+                            <p:stCondLst>
+                              <p:cond delay="0"/>
+                            </p:stCondLst>
+                            <p:childTnLst>
+                              <p:par>
+                                <p:cTn id="25" presetID="1" presetClass="entr" presetSubtype="0" fill="hold" nodeType="clickEffect">
+                                  <p:stCondLst>
+                                    <p:cond delay="0"/>
+                                  </p:stCondLst>
+                                  <p:childTnLst>
+                                    <p:set>
+                                      <p:cBhvr>
+                                        <p:cTn id="26" dur="1" fill="hold">
+                                          <p:stCondLst>
+                                            <p:cond delay="0"/>
+                                          </p:stCondLst>
+                                        </p:cTn>
+                                        <p:tgtEl>
+                                          <p:spTgt spid="78"/>
+                                        </p:tgtEl>
+                                        <p:attrNameLst>
+                                          <p:attrName>style.visibility</p:attrName>
+                                        </p:attrNameLst>
+                                      </p:cBhvr>
+                                      <p:to>
+                                        <p:strVal val="visible"/>
+                                      </p:to>
+                                    </p:set>
+                                  </p:childTnLst>
+                                </p:cTn>
+                              </p:par>
+                            </p:childTnLst>
+                          </p:cTn>
+                        </p:par>
+                      </p:childTnLst>
+                    </p:cTn>
+                  </p:par>
+                  <p:par>
+                    <p:cTn id="27" fill="hold">
+                      <p:stCondLst>
+                        <p:cond delay="indefinite"/>
+                      </p:stCondLst>
+                      <p:childTnLst>
+                        <p:par>
+                          <p:cTn id="28" fill="hold">
+                            <p:stCondLst>
+                              <p:cond delay="0"/>
+                            </p:stCondLst>
+                            <p:childTnLst>
+                              <p:par>
+                                <p:cTn id="29" presetID="1" presetClass="entr" presetSubtype="0" fill="hold" nodeType="clickEffect">
+                                  <p:stCondLst>
+                                    <p:cond delay="0"/>
+                                  </p:stCondLst>
+                                  <p:childTnLst>
+                                    <p:set>
+                                      <p:cBhvr>
+                                        <p:cTn id="30" dur="1" fill="hold">
+                                          <p:stCondLst>
+                                            <p:cond delay="0"/>
+                                          </p:stCondLst>
+                                        </p:cTn>
+                                        <p:tgtEl>
+                                          <p:spTgt spid="87"/>
+                                        </p:tgtEl>
+                                        <p:attrNameLst>
+                                          <p:attrName>style.visibility</p:attrName>
+                                        </p:attrNameLst>
+                                      </p:cBhvr>
+                                      <p:to>
+                                        <p:strVal val="visible"/>
+                                      </p:to>
+                                    </p:set>
+                                  </p:childTnLst>
+                                </p:cTn>
+                              </p:par>
+                            </p:childTnLst>
+                          </p:cTn>
+                        </p:par>
+                      </p:childTnLst>
+                    </p:cTn>
+                  </p:par>
+                </p:childTnLst>
+              </p:cTn>
+              <p:prevCondLst>
+                <p:cond evt="onPrev" delay="0">
+                  <p:tgtEl>
+                    <p:sldTgt/>
+                  </p:tgtEl>
+                </p:cond>
+              </p:prevCondLst>
+              <p:nextCondLst>
+                <p:cond evt="onNext" delay="0">
+                  <p:tgtEl>
+                    <p:sldTgt/>
+                  </p:tgtEl>
+                </p:cond>
+              </p:nextCondLst>
+            </p:seq>
+          </p:childTnLst>
+        </p:cTn>
+      </p:par>
+    </p:tnLst>
+    <p:bldLst>
+      <p:bldP spid="17" grpId="0" animBg="1"/>
+      <p:bldP spid="33" grpId="0" animBg="1"/>
+    </p:bldLst>
+  </p:timing>
 </p:sld>
 </file>
 
